--- a/SDAIM APP/explain app.pptx
+++ b/SDAIM APP/explain app.pptx
@@ -15,7 +15,6 @@
     <p:sldId id="279" r:id="rId9"/>
     <p:sldId id="280" r:id="rId10"/>
     <p:sldId id="281" r:id="rId11"/>
-    <p:sldId id="274" r:id="rId12"/>
   </p:sldIdLst>
   <p:sldSz cx="7556500" cy="10693400"/>
   <p:notesSz cx="7556500" cy="10693400"/>
@@ -264,7 +263,7 @@
           <a:p>
             <a:fld id="{1D8BD707-D9CF-40AE-B4C6-C98DA3205C09}" type="datetimeFigureOut">
               <a:rPr lang="en-US" smtClean="0"/>
-              <a:t>10/28/2022</a:t>
+              <a:t>1/21/2023</a:t>
             </a:fld>
             <a:endParaRPr lang="en-US"/>
           </a:p>
@@ -442,7 +441,7 @@
           <a:p>
             <a:fld id="{1D8BD707-D9CF-40AE-B4C6-C98DA3205C09}" type="datetimeFigureOut">
               <a:rPr lang="en-US" smtClean="0"/>
-              <a:t>10/28/2022</a:t>
+              <a:t>1/21/2023</a:t>
             </a:fld>
             <a:endParaRPr lang="en-US"/>
           </a:p>
@@ -630,7 +629,7 @@
           <a:p>
             <a:fld id="{1D8BD707-D9CF-40AE-B4C6-C98DA3205C09}" type="datetimeFigureOut">
               <a:rPr lang="en-US" smtClean="0"/>
-              <a:t>10/28/2022</a:t>
+              <a:t>1/21/2023</a:t>
             </a:fld>
             <a:endParaRPr lang="en-US"/>
           </a:p>
@@ -772,7 +771,7 @@
           <a:p>
             <a:fld id="{1D8BD707-D9CF-40AE-B4C6-C98DA3205C09}" type="datetimeFigureOut">
               <a:rPr lang="en-US"/>
-              <a:t>10/28/2022</a:t>
+              <a:t>1/21/2023</a:t>
             </a:fld>
             <a:endParaRPr lang="en-US"/>
           </a:p>
@@ -941,7 +940,7 @@
           <a:p>
             <a:fld id="{1D8BD707-D9CF-40AE-B4C6-C98DA3205C09}" type="datetimeFigureOut">
               <a:rPr lang="en-US" smtClean="0"/>
-              <a:t>10/28/2022</a:t>
+              <a:t>1/21/2023</a:t>
             </a:fld>
             <a:endParaRPr lang="en-US"/>
           </a:p>
@@ -1193,7 +1192,7 @@
           <a:p>
             <a:fld id="{1D8BD707-D9CF-40AE-B4C6-C98DA3205C09}" type="datetimeFigureOut">
               <a:rPr lang="en-US" smtClean="0"/>
-              <a:t>10/28/2022</a:t>
+              <a:t>1/21/2023</a:t>
             </a:fld>
             <a:endParaRPr lang="en-US"/>
           </a:p>
@@ -1433,7 +1432,7 @@
           <a:p>
             <a:fld id="{1D8BD707-D9CF-40AE-B4C6-C98DA3205C09}" type="datetimeFigureOut">
               <a:rPr lang="en-US" smtClean="0"/>
-              <a:t>10/28/2022</a:t>
+              <a:t>1/21/2023</a:t>
             </a:fld>
             <a:endParaRPr lang="en-US"/>
           </a:p>
@@ -1808,7 +1807,7 @@
           <a:p>
             <a:fld id="{1D8BD707-D9CF-40AE-B4C6-C98DA3205C09}" type="datetimeFigureOut">
               <a:rPr lang="en-US" smtClean="0"/>
-              <a:t>10/28/2022</a:t>
+              <a:t>1/21/2023</a:t>
             </a:fld>
             <a:endParaRPr lang="en-US"/>
           </a:p>
@@ -1934,7 +1933,7 @@
           <a:p>
             <a:fld id="{1D8BD707-D9CF-40AE-B4C6-C98DA3205C09}" type="datetimeFigureOut">
               <a:rPr lang="en-US" smtClean="0"/>
-              <a:t>10/28/2022</a:t>
+              <a:t>1/21/2023</a:t>
             </a:fld>
             <a:endParaRPr lang="en-US"/>
           </a:p>
@@ -2037,7 +2036,7 @@
           <a:p>
             <a:fld id="{1D8BD707-D9CF-40AE-B4C6-C98DA3205C09}" type="datetimeFigureOut">
               <a:rPr lang="en-US" smtClean="0"/>
-              <a:t>10/28/2022</a:t>
+              <a:t>1/21/2023</a:t>
             </a:fld>
             <a:endParaRPr lang="en-US"/>
           </a:p>
@@ -2322,7 +2321,7 @@
           <a:p>
             <a:fld id="{1D8BD707-D9CF-40AE-B4C6-C98DA3205C09}" type="datetimeFigureOut">
               <a:rPr lang="en-US" smtClean="0"/>
-              <a:t>10/28/2022</a:t>
+              <a:t>1/21/2023</a:t>
             </a:fld>
             <a:endParaRPr lang="en-US"/>
           </a:p>
@@ -2587,7 +2586,7 @@
           <a:p>
             <a:fld id="{1D8BD707-D9CF-40AE-B4C6-C98DA3205C09}" type="datetimeFigureOut">
               <a:rPr lang="en-US" smtClean="0"/>
-              <a:t>10/28/2022</a:t>
+              <a:t>1/21/2023</a:t>
             </a:fld>
             <a:endParaRPr lang="en-US"/>
           </a:p>
@@ -2808,7 +2807,7 @@
           <a:p>
             <a:fld id="{1D8BD707-D9CF-40AE-B4C6-C98DA3205C09}" type="datetimeFigureOut">
               <a:rPr lang="en-US" smtClean="0"/>
-              <a:t>10/28/2022</a:t>
+              <a:t>1/21/2023</a:t>
             </a:fld>
             <a:endParaRPr lang="en-US"/>
           </a:p>
@@ -5159,2851 +5158,6 @@
 </p:sld>
 </file>
 
-<file path=ppt/slides/slide11.xml><?xml version="1.0" encoding="utf-8"?>
-<p:sld xmlns:a="http://schemas.openxmlformats.org/drawingml/2006/main" xmlns:r="http://schemas.openxmlformats.org/officeDocument/2006/relationships" xmlns:p="http://schemas.openxmlformats.org/presentationml/2006/main" showMasterSp="0">
-  <p:cSld>
-    <p:spTree>
-      <p:nvGrpSpPr>
-        <p:cNvPr id="1" name=""/>
-        <p:cNvGrpSpPr/>
-        <p:nvPr/>
-      </p:nvGrpSpPr>
-      <p:grpSpPr>
-        <a:xfrm>
-          <a:off x="0" y="0"/>
-          <a:ext cx="0" cy="0"/>
-          <a:chOff x="0" y="0"/>
-          <a:chExt cx="0" cy="0"/>
-        </a:xfrm>
-      </p:grpSpPr>
-      <p:sp>
-        <p:nvSpPr>
-          <p:cNvPr id="2" name="object 2"/>
-          <p:cNvSpPr txBox="1"/>
-          <p:nvPr/>
-        </p:nvSpPr>
-        <p:spPr>
-          <a:xfrm>
-            <a:off x="886764" y="3207232"/>
-            <a:ext cx="5788660" cy="3536950"/>
-          </a:xfrm>
-          <a:prstGeom prst="rect">
-            <a:avLst/>
-          </a:prstGeom>
-        </p:spPr>
-        <p:txBody>
-          <a:bodyPr vert="horz" wrap="square" lIns="0" tIns="12065" rIns="0" bIns="0" rtlCol="0">
-            <a:spAutoFit/>
-          </a:bodyPr>
-          <a:lstStyle/>
-          <a:p>
-            <a:pPr marL="12700" marR="5080" algn="just">
-              <a:lnSpc>
-                <a:spcPct val="117400"/>
-              </a:lnSpc>
-              <a:spcBef>
-                <a:spcPts val="95"/>
-              </a:spcBef>
-            </a:pPr>
-            <a:r>
-              <a:rPr lang="fr-FR" sz="1400" spc="-10" dirty="0">
-                <a:latin typeface="Verdana"/>
-                <a:cs typeface="Verdana"/>
-              </a:rPr>
-              <a:t>La </a:t>
-            </a:r>
-            <a:r>
-              <a:rPr lang="fr-FR" sz="1400" spc="10" dirty="0">
-                <a:latin typeface="Verdana"/>
-                <a:cs typeface="Verdana"/>
-              </a:rPr>
-              <a:t>période </a:t>
-            </a:r>
-            <a:r>
-              <a:rPr lang="fr-FR" sz="1400" spc="80" dirty="0">
-                <a:latin typeface="Verdana"/>
-                <a:cs typeface="Verdana"/>
-              </a:rPr>
-              <a:t>de </a:t>
-            </a:r>
-            <a:r>
-              <a:rPr lang="fr-FR" sz="1400" spc="-5" dirty="0">
-                <a:latin typeface="Verdana"/>
-                <a:cs typeface="Verdana"/>
-              </a:rPr>
-              <a:t>stage </a:t>
-            </a:r>
-            <a:r>
-              <a:rPr lang="fr-FR" sz="1400" spc="35" dirty="0">
-                <a:latin typeface="Verdana"/>
-                <a:cs typeface="Verdana"/>
-              </a:rPr>
-              <a:t>au </a:t>
-            </a:r>
-            <a:r>
-              <a:rPr lang="fr-FR" sz="1400" spc="-65" dirty="0">
-                <a:latin typeface="Verdana"/>
-                <a:cs typeface="Verdana"/>
-              </a:rPr>
-              <a:t>sein </a:t>
-            </a:r>
-            <a:r>
-              <a:rPr lang="fr-FR" sz="1400" spc="75" dirty="0">
-                <a:latin typeface="Verdana"/>
-                <a:cs typeface="Verdana"/>
-              </a:rPr>
-              <a:t>de </a:t>
-            </a:r>
-            <a:r>
-              <a:rPr lang="fr-FR" sz="1400" spc="-40" dirty="0">
-                <a:latin typeface="Verdana"/>
-                <a:cs typeface="Verdana"/>
-              </a:rPr>
-              <a:t>l’entreprise </a:t>
-            </a:r>
-            <a:r>
-              <a:rPr lang="fr-FR" sz="1400" spc="-15" dirty="0">
-                <a:latin typeface="Verdana"/>
-                <a:cs typeface="Verdana"/>
-              </a:rPr>
-              <a:t>SDAIM </a:t>
-            </a:r>
-            <a:r>
-              <a:rPr lang="fr-FR" sz="1400" spc="114" dirty="0">
-                <a:latin typeface="Verdana"/>
-                <a:cs typeface="Verdana"/>
-              </a:rPr>
-              <a:t>a </a:t>
-            </a:r>
-            <a:r>
-              <a:rPr lang="fr-FR" sz="1400" spc="20" dirty="0">
-                <a:latin typeface="Verdana"/>
-                <a:cs typeface="Verdana"/>
-              </a:rPr>
-              <a:t>été </a:t>
-            </a:r>
-            <a:r>
-              <a:rPr lang="fr-FR" sz="1400" spc="25" dirty="0">
-                <a:latin typeface="Verdana"/>
-                <a:cs typeface="Verdana"/>
-              </a:rPr>
-              <a:t> </a:t>
-            </a:r>
-            <a:r>
-              <a:rPr lang="fr-FR" sz="1400" spc="15" dirty="0">
-                <a:latin typeface="Verdana"/>
-                <a:cs typeface="Verdana"/>
-              </a:rPr>
-              <a:t>bénéfique </a:t>
-            </a:r>
-            <a:r>
-              <a:rPr lang="fr-FR" sz="1400" spc="-15" dirty="0">
-                <a:latin typeface="Verdana"/>
-                <a:cs typeface="Verdana"/>
-              </a:rPr>
-              <a:t>elle </a:t>
-            </a:r>
-            <a:r>
-              <a:rPr lang="fr-FR" sz="1400" spc="60" dirty="0">
-                <a:latin typeface="Verdana"/>
-                <a:cs typeface="Verdana"/>
-              </a:rPr>
-              <a:t>m’a </a:t>
-            </a:r>
-            <a:r>
-              <a:rPr lang="fr-FR" sz="1400" spc="-65" dirty="0">
-                <a:latin typeface="Verdana"/>
-                <a:cs typeface="Verdana"/>
-              </a:rPr>
-              <a:t>permis </a:t>
-            </a:r>
-            <a:r>
-              <a:rPr lang="fr-FR" sz="1400" spc="10" dirty="0">
-                <a:latin typeface="Verdana"/>
-                <a:cs typeface="Verdana"/>
-              </a:rPr>
-              <a:t>d’approfondir </a:t>
-            </a:r>
-            <a:r>
-              <a:rPr lang="fr-FR" sz="1400" spc="-65" dirty="0">
-                <a:latin typeface="Verdana"/>
-                <a:cs typeface="Verdana"/>
-              </a:rPr>
-              <a:t>les </a:t>
-            </a:r>
-            <a:r>
-              <a:rPr lang="fr-FR" sz="1400" spc="-50" dirty="0">
-                <a:latin typeface="Verdana"/>
-                <a:cs typeface="Verdana"/>
-              </a:rPr>
-              <a:t>notions </a:t>
-            </a:r>
-            <a:r>
-              <a:rPr lang="fr-FR" sz="1400" spc="-35" dirty="0">
-                <a:latin typeface="Verdana"/>
-                <a:cs typeface="Verdana"/>
-              </a:rPr>
-              <a:t>théoriques </a:t>
-            </a:r>
-            <a:r>
-              <a:rPr lang="fr-FR" sz="1400" spc="-30" dirty="0">
-                <a:latin typeface="Verdana"/>
-                <a:cs typeface="Verdana"/>
-              </a:rPr>
-              <a:t> </a:t>
-            </a:r>
-            <a:r>
-              <a:rPr lang="fr-FR" sz="1400" spc="40" dirty="0">
-                <a:latin typeface="Verdana"/>
-                <a:cs typeface="Verdana"/>
-              </a:rPr>
-              <a:t>que </a:t>
-            </a:r>
-            <a:r>
-              <a:rPr lang="fr-FR" sz="1400" spc="-25" dirty="0">
-                <a:latin typeface="Verdana"/>
-                <a:cs typeface="Verdana"/>
-              </a:rPr>
-              <a:t>j’ai</a:t>
-            </a:r>
-            <a:r>
-              <a:rPr lang="fr-FR" sz="1400" spc="-20" dirty="0">
-                <a:latin typeface="Verdana"/>
-                <a:cs typeface="Verdana"/>
-              </a:rPr>
-              <a:t> </a:t>
-            </a:r>
-            <a:r>
-              <a:rPr lang="fr-FR" sz="1400" spc="-35" dirty="0">
-                <a:latin typeface="Verdana"/>
-                <a:cs typeface="Verdana"/>
-              </a:rPr>
-              <a:t>appris</a:t>
-            </a:r>
-            <a:r>
-              <a:rPr lang="fr-FR" sz="1400" spc="-30" dirty="0">
-                <a:latin typeface="Verdana"/>
-                <a:cs typeface="Verdana"/>
-              </a:rPr>
-              <a:t> </a:t>
-            </a:r>
-            <a:r>
-              <a:rPr lang="fr-FR" sz="1400" spc="-25" dirty="0">
-                <a:latin typeface="Verdana"/>
-                <a:cs typeface="Verdana"/>
-              </a:rPr>
-              <a:t>durant</a:t>
-            </a:r>
-            <a:r>
-              <a:rPr lang="fr-FR" sz="1400" spc="-20" dirty="0">
-                <a:latin typeface="Verdana"/>
-                <a:cs typeface="Verdana"/>
-              </a:rPr>
-              <a:t> </a:t>
-            </a:r>
-            <a:r>
-              <a:rPr lang="fr-FR" sz="1400" spc="35" dirty="0">
-                <a:latin typeface="Verdana"/>
-                <a:cs typeface="Verdana"/>
-              </a:rPr>
-              <a:t>ma </a:t>
-            </a:r>
-            <a:r>
-              <a:rPr lang="fr-FR" sz="1400" spc="15" dirty="0">
-                <a:latin typeface="Verdana"/>
-                <a:cs typeface="Verdana"/>
-              </a:rPr>
-              <a:t>période</a:t>
-            </a:r>
-            <a:r>
-              <a:rPr lang="fr-FR" sz="1400" spc="20" dirty="0">
-                <a:latin typeface="Verdana"/>
-                <a:cs typeface="Verdana"/>
-              </a:rPr>
-              <a:t> </a:t>
-            </a:r>
-            <a:r>
-              <a:rPr lang="fr-FR" sz="1400" spc="75" dirty="0">
-                <a:latin typeface="Verdana"/>
-                <a:cs typeface="Verdana"/>
-              </a:rPr>
-              <a:t>de </a:t>
-            </a:r>
-            <a:r>
-              <a:rPr lang="fr-FR" sz="1400" spc="-30" dirty="0">
-                <a:latin typeface="Verdana"/>
-                <a:cs typeface="Verdana"/>
-              </a:rPr>
-              <a:t>formation</a:t>
-            </a:r>
-            <a:r>
-              <a:rPr lang="fr-FR" sz="1400" spc="-25" dirty="0">
-                <a:latin typeface="Verdana"/>
-                <a:cs typeface="Verdana"/>
-              </a:rPr>
-              <a:t> </a:t>
-            </a:r>
-            <a:r>
-              <a:rPr lang="fr-FR" sz="1400" spc="114" dirty="0">
-                <a:latin typeface="Verdana"/>
-                <a:cs typeface="Verdana"/>
-              </a:rPr>
-              <a:t>à </a:t>
-            </a:r>
-            <a:r>
-              <a:rPr lang="fr-FR" sz="1400" spc="-70" dirty="0">
-                <a:latin typeface="Verdana"/>
-                <a:cs typeface="Verdana"/>
-              </a:rPr>
-              <a:t>l’institut </a:t>
-            </a:r>
-            <a:r>
-              <a:rPr lang="fr-FR" sz="1400" spc="-65" dirty="0">
-                <a:latin typeface="Verdana"/>
-                <a:cs typeface="Verdana"/>
-              </a:rPr>
-              <a:t> </a:t>
-            </a:r>
-            <a:r>
-              <a:rPr lang="fr-FR" sz="1400" spc="-20" dirty="0">
-                <a:latin typeface="Verdana"/>
-                <a:cs typeface="Verdana"/>
-              </a:rPr>
-              <a:t>spécialisé </a:t>
-            </a:r>
-            <a:r>
-              <a:rPr lang="fr-FR" sz="1400" spc="-40" dirty="0">
-                <a:latin typeface="Verdana"/>
-                <a:cs typeface="Verdana"/>
-              </a:rPr>
-              <a:t>professionnelle </a:t>
-            </a:r>
-            <a:r>
-              <a:rPr lang="fr-FR" sz="1400" spc="80" dirty="0">
-                <a:latin typeface="Verdana"/>
-                <a:cs typeface="Verdana"/>
-              </a:rPr>
-              <a:t>de </a:t>
-            </a:r>
-            <a:r>
-              <a:rPr lang="fr-FR" sz="1400" spc="-55" dirty="0">
-                <a:latin typeface="Verdana"/>
-                <a:cs typeface="Verdana"/>
-              </a:rPr>
-              <a:t>Cité de l'Air El Jadida</a:t>
-            </a:r>
-            <a:r>
-              <a:rPr lang="fr-FR" sz="1400" spc="20" dirty="0">
-                <a:solidFill>
-                  <a:srgbClr val="252525"/>
-                </a:solidFill>
-                <a:latin typeface="Verdana"/>
-                <a:cs typeface="Verdana"/>
-              </a:rPr>
-              <a:t>, </a:t>
-            </a:r>
-            <a:r>
-              <a:rPr lang="fr-FR" sz="1400" dirty="0">
-                <a:solidFill>
-                  <a:srgbClr val="252525"/>
-                </a:solidFill>
-                <a:latin typeface="Verdana"/>
-                <a:cs typeface="Verdana"/>
-              </a:rPr>
-              <a:t>et </a:t>
-            </a:r>
-            <a:r>
-              <a:rPr lang="fr-FR" sz="1400" spc="-20" dirty="0">
-                <a:solidFill>
-                  <a:srgbClr val="252525"/>
-                </a:solidFill>
-                <a:latin typeface="Verdana"/>
-                <a:cs typeface="Verdana"/>
-              </a:rPr>
-              <a:t>d’enrichir </a:t>
-            </a:r>
-            <a:r>
-              <a:rPr lang="fr-FR" sz="1400" spc="-15" dirty="0">
-                <a:solidFill>
-                  <a:srgbClr val="252525"/>
-                </a:solidFill>
-                <a:latin typeface="Verdana"/>
-                <a:cs typeface="Verdana"/>
-              </a:rPr>
-              <a:t> </a:t>
-            </a:r>
-            <a:r>
-              <a:rPr lang="fr-FR" sz="1400" spc="-55" dirty="0">
-                <a:solidFill>
-                  <a:srgbClr val="252525"/>
-                </a:solidFill>
-                <a:latin typeface="Verdana"/>
-                <a:cs typeface="Verdana"/>
-              </a:rPr>
-              <a:t>mes </a:t>
-            </a:r>
-            <a:r>
-              <a:rPr lang="fr-FR" sz="1400" spc="-10" dirty="0">
-                <a:solidFill>
-                  <a:srgbClr val="252525"/>
-                </a:solidFill>
-                <a:latin typeface="Verdana"/>
-                <a:cs typeface="Verdana"/>
-              </a:rPr>
-              <a:t>connaissances </a:t>
-            </a:r>
-            <a:r>
-              <a:rPr lang="fr-FR" sz="1400" spc="-90" dirty="0">
-                <a:solidFill>
-                  <a:srgbClr val="252525"/>
-                </a:solidFill>
-                <a:latin typeface="Verdana"/>
-                <a:cs typeface="Verdana"/>
-              </a:rPr>
-              <a:t>aussi </a:t>
-            </a:r>
-            <a:r>
-              <a:rPr lang="fr-FR" sz="1400" spc="5" dirty="0">
-                <a:solidFill>
-                  <a:srgbClr val="252525"/>
-                </a:solidFill>
-                <a:latin typeface="Verdana"/>
-                <a:cs typeface="Verdana"/>
-              </a:rPr>
-              <a:t>bien </a:t>
-            </a:r>
-            <a:r>
-              <a:rPr lang="fr-FR" sz="1400" spc="40" dirty="0">
-                <a:solidFill>
-                  <a:srgbClr val="252525"/>
-                </a:solidFill>
-                <a:latin typeface="Verdana"/>
-                <a:cs typeface="Verdana"/>
-              </a:rPr>
-              <a:t>au </a:t>
-            </a:r>
-            <a:r>
-              <a:rPr lang="fr-FR" sz="1400" spc="-10" dirty="0">
-                <a:solidFill>
-                  <a:srgbClr val="252525"/>
-                </a:solidFill>
-                <a:latin typeface="Verdana"/>
-                <a:cs typeface="Verdana"/>
-              </a:rPr>
-              <a:t>niveau pratique </a:t>
-            </a:r>
-            <a:r>
-              <a:rPr lang="fr-FR" sz="1400" spc="45" dirty="0">
-                <a:solidFill>
-                  <a:srgbClr val="252525"/>
-                </a:solidFill>
-                <a:latin typeface="Verdana"/>
-                <a:cs typeface="Verdana"/>
-              </a:rPr>
-              <a:t>qu’au </a:t>
-            </a:r>
-            <a:r>
-              <a:rPr lang="fr-FR" sz="1400" spc="-15" dirty="0">
-                <a:solidFill>
-                  <a:srgbClr val="252525"/>
-                </a:solidFill>
-                <a:latin typeface="Verdana"/>
-                <a:cs typeface="Verdana"/>
-              </a:rPr>
-              <a:t>niveau </a:t>
-            </a:r>
-            <a:r>
-              <a:rPr lang="fr-FR" sz="1400" spc="-10" dirty="0">
-                <a:solidFill>
-                  <a:srgbClr val="252525"/>
-                </a:solidFill>
-                <a:latin typeface="Verdana"/>
-                <a:cs typeface="Verdana"/>
-              </a:rPr>
-              <a:t> </a:t>
-            </a:r>
-            <a:r>
-              <a:rPr lang="fr-FR" sz="1400" spc="-30" dirty="0">
-                <a:solidFill>
-                  <a:srgbClr val="252525"/>
-                </a:solidFill>
-                <a:latin typeface="Verdana"/>
-                <a:cs typeface="Verdana"/>
-              </a:rPr>
-              <a:t>théorique.</a:t>
-            </a:r>
-            <a:endParaRPr lang="fr-FR" sz="1400" dirty="0">
-              <a:latin typeface="Verdana"/>
-              <a:cs typeface="Verdana"/>
-            </a:endParaRPr>
-          </a:p>
-          <a:p>
-            <a:pPr marL="12700" marR="6985" algn="just">
-              <a:lnSpc>
-                <a:spcPct val="117500"/>
-              </a:lnSpc>
-              <a:spcBef>
-                <a:spcPts val="1000"/>
-              </a:spcBef>
-            </a:pPr>
-            <a:r>
-              <a:rPr sz="1400" spc="35" dirty="0" err="1">
-                <a:solidFill>
-                  <a:srgbClr val="252525"/>
-                </a:solidFill>
-                <a:latin typeface="Verdana"/>
-                <a:cs typeface="Verdana"/>
-              </a:rPr>
-              <a:t>J’ai</a:t>
-            </a:r>
-            <a:r>
-              <a:rPr sz="1400" dirty="0">
-                <a:solidFill>
-                  <a:srgbClr val="252525"/>
-                </a:solidFill>
-                <a:latin typeface="Verdana"/>
-                <a:cs typeface="Verdana"/>
-              </a:rPr>
-              <a:t> </a:t>
-            </a:r>
-            <a:r>
-              <a:rPr sz="1400" spc="-35" dirty="0">
-                <a:solidFill>
-                  <a:srgbClr val="252525"/>
-                </a:solidFill>
-                <a:latin typeface="Verdana"/>
-                <a:cs typeface="Verdana"/>
-              </a:rPr>
-              <a:t>appris</a:t>
-            </a:r>
-            <a:r>
-              <a:rPr sz="1400" spc="-15" dirty="0">
-                <a:solidFill>
-                  <a:srgbClr val="252525"/>
-                </a:solidFill>
-                <a:latin typeface="Verdana"/>
-                <a:cs typeface="Verdana"/>
-              </a:rPr>
-              <a:t> </a:t>
-            </a:r>
-            <a:r>
-              <a:rPr sz="1400" spc="40" dirty="0">
-                <a:solidFill>
-                  <a:srgbClr val="252525"/>
-                </a:solidFill>
-                <a:latin typeface="Verdana"/>
-                <a:cs typeface="Verdana"/>
-              </a:rPr>
-              <a:t>que</a:t>
-            </a:r>
-            <a:r>
-              <a:rPr sz="1400" spc="-25" dirty="0">
-                <a:solidFill>
-                  <a:srgbClr val="252525"/>
-                </a:solidFill>
-                <a:latin typeface="Verdana"/>
-                <a:cs typeface="Verdana"/>
-              </a:rPr>
-              <a:t> </a:t>
-            </a:r>
-            <a:r>
-              <a:rPr sz="1400" spc="-10" dirty="0">
-                <a:solidFill>
-                  <a:srgbClr val="252525"/>
-                </a:solidFill>
-                <a:latin typeface="Verdana"/>
-                <a:cs typeface="Verdana"/>
-              </a:rPr>
-              <a:t>le</a:t>
-            </a:r>
-            <a:r>
-              <a:rPr sz="1400" spc="-25" dirty="0">
-                <a:solidFill>
-                  <a:srgbClr val="252525"/>
-                </a:solidFill>
-                <a:latin typeface="Verdana"/>
-                <a:cs typeface="Verdana"/>
-              </a:rPr>
-              <a:t> </a:t>
-            </a:r>
-            <a:r>
-              <a:rPr sz="1400" spc="20" dirty="0">
-                <a:solidFill>
-                  <a:srgbClr val="252525"/>
-                </a:solidFill>
-                <a:latin typeface="Verdana"/>
-                <a:cs typeface="Verdana"/>
-              </a:rPr>
-              <a:t>domaine</a:t>
-            </a:r>
-            <a:r>
-              <a:rPr sz="1400" spc="-10" dirty="0">
-                <a:solidFill>
-                  <a:srgbClr val="252525"/>
-                </a:solidFill>
-                <a:latin typeface="Verdana"/>
-                <a:cs typeface="Verdana"/>
-              </a:rPr>
-              <a:t> </a:t>
-            </a:r>
-            <a:r>
-              <a:rPr sz="1400" spc="-20" dirty="0">
-                <a:solidFill>
-                  <a:srgbClr val="252525"/>
-                </a:solidFill>
-                <a:latin typeface="Verdana"/>
-                <a:cs typeface="Verdana"/>
-              </a:rPr>
-              <a:t>théorique </a:t>
-            </a:r>
-            <a:r>
-              <a:rPr sz="1400" dirty="0">
-                <a:solidFill>
-                  <a:srgbClr val="252525"/>
-                </a:solidFill>
-                <a:latin typeface="Verdana"/>
-                <a:cs typeface="Verdana"/>
-              </a:rPr>
-              <a:t>et</a:t>
-            </a:r>
-            <a:r>
-              <a:rPr sz="1400" spc="-20" dirty="0">
-                <a:solidFill>
-                  <a:srgbClr val="252525"/>
-                </a:solidFill>
-                <a:latin typeface="Verdana"/>
-                <a:cs typeface="Verdana"/>
-              </a:rPr>
-              <a:t> </a:t>
-            </a:r>
-            <a:r>
-              <a:rPr sz="1400" spc="-5" dirty="0">
-                <a:solidFill>
-                  <a:srgbClr val="252525"/>
-                </a:solidFill>
-                <a:latin typeface="Verdana"/>
-                <a:cs typeface="Verdana"/>
-              </a:rPr>
-              <a:t>le</a:t>
-            </a:r>
-            <a:r>
-              <a:rPr sz="1400" spc="-15" dirty="0">
-                <a:solidFill>
-                  <a:srgbClr val="252525"/>
-                </a:solidFill>
-                <a:latin typeface="Verdana"/>
-                <a:cs typeface="Verdana"/>
-              </a:rPr>
-              <a:t> </a:t>
-            </a:r>
-            <a:r>
-              <a:rPr sz="1400" spc="20" dirty="0">
-                <a:solidFill>
-                  <a:srgbClr val="252525"/>
-                </a:solidFill>
-                <a:latin typeface="Verdana"/>
-                <a:cs typeface="Verdana"/>
-              </a:rPr>
-              <a:t>domaine</a:t>
-            </a:r>
-            <a:r>
-              <a:rPr sz="1400" spc="-25" dirty="0">
-                <a:solidFill>
-                  <a:srgbClr val="252525"/>
-                </a:solidFill>
-                <a:latin typeface="Verdana"/>
-                <a:cs typeface="Verdana"/>
-              </a:rPr>
-              <a:t> </a:t>
-            </a:r>
-            <a:r>
-              <a:rPr sz="1400" spc="-10" dirty="0">
-                <a:solidFill>
-                  <a:srgbClr val="252525"/>
-                </a:solidFill>
-                <a:latin typeface="Verdana"/>
-                <a:cs typeface="Verdana"/>
-              </a:rPr>
-              <a:t>pratique </a:t>
-            </a:r>
-            <a:r>
-              <a:rPr sz="1400" spc="-60" dirty="0">
-                <a:solidFill>
-                  <a:srgbClr val="252525"/>
-                </a:solidFill>
-                <a:latin typeface="Verdana"/>
-                <a:cs typeface="Verdana"/>
-              </a:rPr>
-              <a:t>sont </a:t>
-            </a:r>
-            <a:r>
-              <a:rPr sz="1400" spc="-480" dirty="0">
-                <a:solidFill>
-                  <a:srgbClr val="252525"/>
-                </a:solidFill>
-                <a:latin typeface="Verdana"/>
-                <a:cs typeface="Verdana"/>
-              </a:rPr>
-              <a:t> </a:t>
-            </a:r>
-            <a:r>
-              <a:rPr sz="1400" spc="-20" dirty="0">
-                <a:solidFill>
-                  <a:srgbClr val="252525"/>
-                </a:solidFill>
-                <a:latin typeface="Verdana"/>
-                <a:cs typeface="Verdana"/>
-              </a:rPr>
-              <a:t>complémentaires, </a:t>
-            </a:r>
-            <a:r>
-              <a:rPr sz="1400" dirty="0">
-                <a:solidFill>
-                  <a:srgbClr val="252525"/>
-                </a:solidFill>
-                <a:latin typeface="Verdana"/>
-                <a:cs typeface="Verdana"/>
-              </a:rPr>
-              <a:t>et </a:t>
-            </a:r>
-            <a:r>
-              <a:rPr sz="1400" spc="40" dirty="0">
-                <a:solidFill>
-                  <a:srgbClr val="252525"/>
-                </a:solidFill>
-                <a:latin typeface="Verdana"/>
-                <a:cs typeface="Verdana"/>
-              </a:rPr>
-              <a:t>que </a:t>
-            </a:r>
-            <a:r>
-              <a:rPr sz="1400" spc="-10" dirty="0">
-                <a:solidFill>
-                  <a:srgbClr val="252525"/>
-                </a:solidFill>
-                <a:latin typeface="Verdana"/>
-                <a:cs typeface="Verdana"/>
-              </a:rPr>
-              <a:t>dans le </a:t>
-            </a:r>
-            <a:r>
-              <a:rPr sz="1400" spc="30" dirty="0">
-                <a:solidFill>
-                  <a:srgbClr val="252525"/>
-                </a:solidFill>
-                <a:latin typeface="Verdana"/>
-                <a:cs typeface="Verdana"/>
-              </a:rPr>
-              <a:t>monde </a:t>
-            </a:r>
-            <a:r>
-              <a:rPr sz="1400" spc="80" dirty="0">
-                <a:solidFill>
-                  <a:srgbClr val="252525"/>
-                </a:solidFill>
-                <a:latin typeface="Verdana"/>
-                <a:cs typeface="Verdana"/>
-              </a:rPr>
-              <a:t>de </a:t>
-            </a:r>
-            <a:r>
-              <a:rPr sz="1400" spc="-45" dirty="0">
-                <a:solidFill>
-                  <a:srgbClr val="252525"/>
-                </a:solidFill>
-                <a:latin typeface="Verdana"/>
-                <a:cs typeface="Verdana"/>
-              </a:rPr>
-              <a:t>travail </a:t>
-            </a:r>
-            <a:r>
-              <a:rPr sz="1400" spc="-105" dirty="0">
-                <a:solidFill>
-                  <a:srgbClr val="252525"/>
-                </a:solidFill>
-                <a:latin typeface="Verdana"/>
-                <a:cs typeface="Verdana"/>
-              </a:rPr>
-              <a:t>il </a:t>
-            </a:r>
-            <a:r>
-              <a:rPr sz="1400" spc="-25" dirty="0">
-                <a:solidFill>
-                  <a:srgbClr val="252525"/>
-                </a:solidFill>
-                <a:latin typeface="Verdana"/>
-                <a:cs typeface="Verdana"/>
-              </a:rPr>
-              <a:t>n’est </a:t>
-            </a:r>
-            <a:r>
-              <a:rPr sz="1400" dirty="0">
-                <a:solidFill>
-                  <a:srgbClr val="252525"/>
-                </a:solidFill>
-                <a:latin typeface="Verdana"/>
-                <a:cs typeface="Verdana"/>
-              </a:rPr>
-              <a:t>pas </a:t>
-            </a:r>
-            <a:r>
-              <a:rPr sz="1400" spc="5" dirty="0">
-                <a:solidFill>
-                  <a:srgbClr val="252525"/>
-                </a:solidFill>
-                <a:latin typeface="Verdana"/>
-                <a:cs typeface="Verdana"/>
-              </a:rPr>
-              <a:t> </a:t>
-            </a:r>
-            <a:r>
-              <a:rPr sz="1400" spc="-70" dirty="0">
-                <a:solidFill>
-                  <a:srgbClr val="252525"/>
-                </a:solidFill>
-                <a:latin typeface="Verdana"/>
-                <a:cs typeface="Verdana"/>
-              </a:rPr>
-              <a:t>suffisant</a:t>
-            </a:r>
-            <a:r>
-              <a:rPr sz="1400" spc="-65" dirty="0">
-                <a:solidFill>
-                  <a:srgbClr val="252525"/>
-                </a:solidFill>
-                <a:latin typeface="Verdana"/>
-                <a:cs typeface="Verdana"/>
-              </a:rPr>
-              <a:t> </a:t>
-            </a:r>
-            <a:r>
-              <a:rPr sz="1400" dirty="0">
-                <a:solidFill>
-                  <a:srgbClr val="252525"/>
-                </a:solidFill>
-                <a:latin typeface="Verdana"/>
-                <a:cs typeface="Verdana"/>
-              </a:rPr>
-              <a:t>d’avoir </a:t>
-            </a:r>
-            <a:r>
-              <a:rPr sz="1400" spc="-10" dirty="0">
-                <a:solidFill>
-                  <a:srgbClr val="252525"/>
-                </a:solidFill>
-                <a:latin typeface="Verdana"/>
-                <a:cs typeface="Verdana"/>
-              </a:rPr>
-              <a:t>des </a:t>
-            </a:r>
-            <a:r>
-              <a:rPr sz="1400" spc="-25" dirty="0">
-                <a:solidFill>
-                  <a:srgbClr val="252525"/>
-                </a:solidFill>
-                <a:latin typeface="Verdana"/>
-                <a:cs typeface="Verdana"/>
-              </a:rPr>
-              <a:t>bases </a:t>
-            </a:r>
-            <a:r>
-              <a:rPr sz="1400" spc="-45" dirty="0">
-                <a:solidFill>
-                  <a:srgbClr val="252525"/>
-                </a:solidFill>
-                <a:latin typeface="Verdana"/>
-                <a:cs typeface="Verdana"/>
-              </a:rPr>
-              <a:t>théoriques, </a:t>
-            </a:r>
-            <a:r>
-              <a:rPr sz="1400" spc="-55" dirty="0">
-                <a:solidFill>
-                  <a:srgbClr val="252525"/>
-                </a:solidFill>
-                <a:latin typeface="Verdana"/>
-                <a:cs typeface="Verdana"/>
-              </a:rPr>
-              <a:t>mais</a:t>
-            </a:r>
-            <a:r>
-              <a:rPr sz="1400" spc="-50" dirty="0">
-                <a:solidFill>
-                  <a:srgbClr val="252525"/>
-                </a:solidFill>
-                <a:latin typeface="Verdana"/>
-                <a:cs typeface="Verdana"/>
-              </a:rPr>
-              <a:t> </a:t>
-            </a:r>
-            <a:r>
-              <a:rPr sz="1400" spc="-105" dirty="0">
-                <a:solidFill>
-                  <a:srgbClr val="252525"/>
-                </a:solidFill>
-                <a:latin typeface="Verdana"/>
-                <a:cs typeface="Verdana"/>
-              </a:rPr>
-              <a:t>il</a:t>
-            </a:r>
-            <a:r>
-              <a:rPr sz="1400" spc="-100" dirty="0">
-                <a:solidFill>
-                  <a:srgbClr val="252525"/>
-                </a:solidFill>
-                <a:latin typeface="Verdana"/>
-                <a:cs typeface="Verdana"/>
-              </a:rPr>
-              <a:t> </a:t>
-            </a:r>
-            <a:r>
-              <a:rPr sz="1400" spc="-20" dirty="0">
-                <a:solidFill>
-                  <a:srgbClr val="252525"/>
-                </a:solidFill>
-                <a:latin typeface="Verdana"/>
-                <a:cs typeface="Verdana"/>
-              </a:rPr>
-              <a:t>faut </a:t>
-            </a:r>
-            <a:r>
-              <a:rPr sz="1400" spc="-80" dirty="0">
-                <a:solidFill>
-                  <a:srgbClr val="252525"/>
-                </a:solidFill>
-                <a:latin typeface="Verdana"/>
-                <a:cs typeface="Verdana"/>
-              </a:rPr>
-              <a:t>surtout</a:t>
-            </a:r>
-            <a:r>
-              <a:rPr sz="1400" spc="-75" dirty="0">
-                <a:solidFill>
-                  <a:srgbClr val="252525"/>
-                </a:solidFill>
-                <a:latin typeface="Verdana"/>
-                <a:cs typeface="Verdana"/>
-              </a:rPr>
-              <a:t> </a:t>
-            </a:r>
-            <a:r>
-              <a:rPr sz="1400" spc="-30" dirty="0">
-                <a:solidFill>
-                  <a:srgbClr val="252525"/>
-                </a:solidFill>
-                <a:latin typeface="Verdana"/>
-                <a:cs typeface="Verdana"/>
-              </a:rPr>
-              <a:t>être </a:t>
-            </a:r>
-            <a:r>
-              <a:rPr sz="1400" spc="-25" dirty="0">
-                <a:solidFill>
-                  <a:srgbClr val="252525"/>
-                </a:solidFill>
-                <a:latin typeface="Verdana"/>
-                <a:cs typeface="Verdana"/>
-              </a:rPr>
-              <a:t> </a:t>
-            </a:r>
-            <a:r>
-              <a:rPr sz="1400" spc="15" dirty="0">
-                <a:solidFill>
-                  <a:srgbClr val="252525"/>
-                </a:solidFill>
-                <a:latin typeface="Verdana"/>
-                <a:cs typeface="Verdana"/>
-              </a:rPr>
-              <a:t>sociable </a:t>
-            </a:r>
-            <a:r>
-              <a:rPr sz="1400" dirty="0">
-                <a:solidFill>
-                  <a:srgbClr val="252525"/>
-                </a:solidFill>
-                <a:latin typeface="Verdana"/>
-                <a:cs typeface="Verdana"/>
-              </a:rPr>
-              <a:t>et </a:t>
-            </a:r>
-            <a:r>
-              <a:rPr sz="1400" spc="15" dirty="0">
-                <a:solidFill>
-                  <a:srgbClr val="252525"/>
-                </a:solidFill>
-                <a:latin typeface="Verdana"/>
-                <a:cs typeface="Verdana"/>
-              </a:rPr>
-              <a:t>coopératif </a:t>
-            </a:r>
-            <a:r>
-              <a:rPr sz="1400" dirty="0">
-                <a:solidFill>
-                  <a:srgbClr val="252525"/>
-                </a:solidFill>
-                <a:latin typeface="Verdana"/>
-                <a:cs typeface="Verdana"/>
-              </a:rPr>
-              <a:t>et </a:t>
-            </a:r>
-            <a:r>
-              <a:rPr sz="1400" spc="-35" dirty="0">
-                <a:solidFill>
-                  <a:srgbClr val="252525"/>
-                </a:solidFill>
-                <a:latin typeface="Verdana"/>
-                <a:cs typeface="Verdana"/>
-              </a:rPr>
-              <a:t>avoir un </a:t>
-            </a:r>
-            <a:r>
-              <a:rPr sz="1400" spc="-65" dirty="0">
-                <a:solidFill>
-                  <a:srgbClr val="252525"/>
-                </a:solidFill>
-                <a:latin typeface="Verdana"/>
-                <a:cs typeface="Verdana"/>
-              </a:rPr>
-              <a:t>esprit </a:t>
-            </a:r>
-            <a:r>
-              <a:rPr sz="1400" spc="40" dirty="0">
-                <a:solidFill>
-                  <a:srgbClr val="252525"/>
-                </a:solidFill>
-                <a:latin typeface="Verdana"/>
-                <a:cs typeface="Verdana"/>
-              </a:rPr>
-              <a:t>d’équipe </a:t>
-            </a:r>
-            <a:r>
-              <a:rPr sz="1400" spc="-15" dirty="0">
-                <a:solidFill>
-                  <a:srgbClr val="252525"/>
-                </a:solidFill>
-                <a:latin typeface="Verdana"/>
-                <a:cs typeface="Verdana"/>
-              </a:rPr>
-              <a:t>pour </a:t>
-            </a:r>
-            <a:r>
-              <a:rPr sz="1400" spc="-20" dirty="0">
-                <a:solidFill>
-                  <a:srgbClr val="252525"/>
-                </a:solidFill>
-                <a:latin typeface="Verdana"/>
-                <a:cs typeface="Verdana"/>
-              </a:rPr>
-              <a:t>mener </a:t>
-            </a:r>
-            <a:r>
-              <a:rPr sz="1400" spc="114" dirty="0">
-                <a:solidFill>
-                  <a:srgbClr val="252525"/>
-                </a:solidFill>
-                <a:latin typeface="Verdana"/>
-                <a:cs typeface="Verdana"/>
-              </a:rPr>
-              <a:t>à </a:t>
-            </a:r>
-            <a:r>
-              <a:rPr sz="1400" spc="120" dirty="0">
-                <a:solidFill>
-                  <a:srgbClr val="252525"/>
-                </a:solidFill>
-                <a:latin typeface="Verdana"/>
-                <a:cs typeface="Verdana"/>
-              </a:rPr>
-              <a:t> </a:t>
-            </a:r>
-            <a:r>
-              <a:rPr sz="1400" spc="75" dirty="0">
-                <a:solidFill>
-                  <a:srgbClr val="252525"/>
-                </a:solidFill>
-                <a:latin typeface="Verdana"/>
-                <a:cs typeface="Verdana"/>
-              </a:rPr>
-              <a:t>b</a:t>
-            </a:r>
-            <a:r>
-              <a:rPr sz="1400" spc="-90" dirty="0">
-                <a:solidFill>
-                  <a:srgbClr val="252525"/>
-                </a:solidFill>
-                <a:latin typeface="Verdana"/>
-                <a:cs typeface="Verdana"/>
-              </a:rPr>
-              <a:t>i</a:t>
-            </a:r>
-            <a:r>
-              <a:rPr sz="1400" spc="20" dirty="0">
-                <a:solidFill>
-                  <a:srgbClr val="252525"/>
-                </a:solidFill>
-                <a:latin typeface="Verdana"/>
-                <a:cs typeface="Verdana"/>
-              </a:rPr>
-              <a:t>en</a:t>
-            </a:r>
-            <a:r>
-              <a:rPr sz="1400" spc="-114" dirty="0">
-                <a:solidFill>
-                  <a:srgbClr val="252525"/>
-                </a:solidFill>
-                <a:latin typeface="Verdana"/>
-                <a:cs typeface="Verdana"/>
-              </a:rPr>
-              <a:t> </a:t>
-            </a:r>
-            <a:r>
-              <a:rPr sz="1400" spc="-90" dirty="0">
-                <a:solidFill>
-                  <a:srgbClr val="252525"/>
-                </a:solidFill>
-                <a:latin typeface="Verdana"/>
-                <a:cs typeface="Verdana"/>
-              </a:rPr>
-              <a:t>t</a:t>
-            </a:r>
-            <a:r>
-              <a:rPr sz="1400" spc="65" dirty="0">
-                <a:solidFill>
-                  <a:srgbClr val="252525"/>
-                </a:solidFill>
-                <a:latin typeface="Verdana"/>
-                <a:cs typeface="Verdana"/>
-              </a:rPr>
-              <a:t>o</a:t>
-            </a:r>
-            <a:r>
-              <a:rPr sz="1400" spc="-70" dirty="0">
-                <a:solidFill>
-                  <a:srgbClr val="252525"/>
-                </a:solidFill>
-                <a:latin typeface="Verdana"/>
-                <a:cs typeface="Verdana"/>
-              </a:rPr>
-              <a:t>u</a:t>
-            </a:r>
-            <a:r>
-              <a:rPr sz="1400" spc="-55" dirty="0">
-                <a:solidFill>
-                  <a:srgbClr val="252525"/>
-                </a:solidFill>
-                <a:latin typeface="Verdana"/>
-                <a:cs typeface="Verdana"/>
-              </a:rPr>
-              <a:t>tes</a:t>
-            </a:r>
-            <a:r>
-              <a:rPr sz="1400" spc="-130" dirty="0">
-                <a:solidFill>
-                  <a:srgbClr val="252525"/>
-                </a:solidFill>
-                <a:latin typeface="Verdana"/>
-                <a:cs typeface="Verdana"/>
-              </a:rPr>
-              <a:t> </a:t>
-            </a:r>
-            <a:r>
-              <a:rPr sz="1400" spc="-90" dirty="0">
-                <a:solidFill>
-                  <a:srgbClr val="252525"/>
-                </a:solidFill>
-                <a:latin typeface="Verdana"/>
-                <a:cs typeface="Verdana"/>
-              </a:rPr>
-              <a:t>l</a:t>
-            </a:r>
-            <a:r>
-              <a:rPr sz="1400" spc="-55" dirty="0">
-                <a:solidFill>
-                  <a:srgbClr val="252525"/>
-                </a:solidFill>
-                <a:latin typeface="Verdana"/>
-                <a:cs typeface="Verdana"/>
-              </a:rPr>
-              <a:t>es</a:t>
-            </a:r>
-            <a:r>
-              <a:rPr sz="1400" spc="-114" dirty="0">
-                <a:solidFill>
-                  <a:srgbClr val="252525"/>
-                </a:solidFill>
-                <a:latin typeface="Verdana"/>
-                <a:cs typeface="Verdana"/>
-              </a:rPr>
-              <a:t> </a:t>
-            </a:r>
-            <a:r>
-              <a:rPr sz="1400" spc="-90" dirty="0">
-                <a:solidFill>
-                  <a:srgbClr val="252525"/>
-                </a:solidFill>
-                <a:latin typeface="Verdana"/>
-                <a:cs typeface="Verdana"/>
-              </a:rPr>
-              <a:t>t</a:t>
-            </a:r>
-            <a:r>
-              <a:rPr sz="1400" spc="150" dirty="0">
-                <a:solidFill>
-                  <a:srgbClr val="252525"/>
-                </a:solidFill>
-                <a:latin typeface="Verdana"/>
-                <a:cs typeface="Verdana"/>
-              </a:rPr>
-              <a:t>â</a:t>
-            </a:r>
-            <a:r>
-              <a:rPr sz="1400" spc="135" dirty="0">
-                <a:solidFill>
-                  <a:srgbClr val="252525"/>
-                </a:solidFill>
-                <a:latin typeface="Verdana"/>
-                <a:cs typeface="Verdana"/>
-              </a:rPr>
-              <a:t>c</a:t>
-            </a:r>
-            <a:r>
-              <a:rPr sz="1400" spc="-35" dirty="0">
-                <a:solidFill>
-                  <a:srgbClr val="252525"/>
-                </a:solidFill>
-                <a:latin typeface="Verdana"/>
-                <a:cs typeface="Verdana"/>
-              </a:rPr>
-              <a:t>h</a:t>
-            </a:r>
-            <a:r>
-              <a:rPr sz="1400" spc="-60" dirty="0">
-                <a:solidFill>
-                  <a:srgbClr val="252525"/>
-                </a:solidFill>
-                <a:latin typeface="Verdana"/>
-                <a:cs typeface="Verdana"/>
-              </a:rPr>
-              <a:t>es</a:t>
-            </a:r>
-            <a:r>
-              <a:rPr sz="1400" spc="-125" dirty="0">
-                <a:solidFill>
-                  <a:srgbClr val="252525"/>
-                </a:solidFill>
-                <a:latin typeface="Verdana"/>
-                <a:cs typeface="Verdana"/>
-              </a:rPr>
-              <a:t>.</a:t>
-            </a:r>
-            <a:endParaRPr sz="1400" dirty="0">
-              <a:latin typeface="Verdana"/>
-              <a:cs typeface="Verdana"/>
-            </a:endParaRPr>
-          </a:p>
-          <a:p>
-            <a:pPr marL="12700" marR="7620" algn="just">
-              <a:lnSpc>
-                <a:spcPct val="117100"/>
-              </a:lnSpc>
-              <a:spcBef>
-                <a:spcPts val="1010"/>
-              </a:spcBef>
-            </a:pPr>
-            <a:r>
-              <a:rPr sz="1400" spc="40" dirty="0">
-                <a:solidFill>
-                  <a:srgbClr val="252525"/>
-                </a:solidFill>
-                <a:latin typeface="Verdana"/>
-                <a:cs typeface="Verdana"/>
-              </a:rPr>
-              <a:t>O</a:t>
-            </a:r>
-            <a:r>
-              <a:rPr sz="1400" spc="35" dirty="0">
-                <a:solidFill>
-                  <a:srgbClr val="252525"/>
-                </a:solidFill>
-                <a:latin typeface="Verdana"/>
-                <a:cs typeface="Verdana"/>
-              </a:rPr>
-              <a:t>n</a:t>
-            </a:r>
-            <a:r>
-              <a:rPr sz="1400" spc="-90" dirty="0">
-                <a:solidFill>
-                  <a:srgbClr val="252525"/>
-                </a:solidFill>
-                <a:latin typeface="Verdana"/>
-                <a:cs typeface="Verdana"/>
-              </a:rPr>
-              <a:t> </a:t>
-            </a:r>
-            <a:r>
-              <a:rPr sz="1400" spc="75" dirty="0">
-                <a:solidFill>
-                  <a:srgbClr val="252525"/>
-                </a:solidFill>
-                <a:latin typeface="Verdana"/>
-                <a:cs typeface="Verdana"/>
-              </a:rPr>
-              <a:t>p</a:t>
-            </a:r>
-            <a:r>
-              <a:rPr sz="1400" spc="70" dirty="0">
-                <a:solidFill>
-                  <a:srgbClr val="252525"/>
-                </a:solidFill>
-                <a:latin typeface="Verdana"/>
-                <a:cs typeface="Verdana"/>
-              </a:rPr>
-              <a:t>e</a:t>
-            </a:r>
-            <a:r>
-              <a:rPr sz="1400" spc="-55" dirty="0">
-                <a:solidFill>
-                  <a:srgbClr val="252525"/>
-                </a:solidFill>
-                <a:latin typeface="Verdana"/>
-                <a:cs typeface="Verdana"/>
-              </a:rPr>
-              <a:t>ut</a:t>
-            </a:r>
-            <a:r>
-              <a:rPr sz="1400" spc="-95" dirty="0">
-                <a:solidFill>
-                  <a:srgbClr val="252525"/>
-                </a:solidFill>
-                <a:latin typeface="Verdana"/>
-                <a:cs typeface="Verdana"/>
-              </a:rPr>
-              <a:t> </a:t>
-            </a:r>
-            <a:r>
-              <a:rPr sz="1400" spc="165" dirty="0">
-                <a:solidFill>
-                  <a:srgbClr val="252525"/>
-                </a:solidFill>
-                <a:latin typeface="Verdana"/>
-                <a:cs typeface="Verdana"/>
-              </a:rPr>
-              <a:t>c</a:t>
-            </a:r>
-            <a:r>
-              <a:rPr sz="1400" spc="65" dirty="0">
-                <a:solidFill>
-                  <a:srgbClr val="252525"/>
-                </a:solidFill>
-                <a:latin typeface="Verdana"/>
-                <a:cs typeface="Verdana"/>
-              </a:rPr>
-              <a:t>o</a:t>
-            </a:r>
-            <a:r>
-              <a:rPr sz="1400" spc="-35" dirty="0">
-                <a:solidFill>
-                  <a:srgbClr val="252525"/>
-                </a:solidFill>
-                <a:latin typeface="Verdana"/>
-                <a:cs typeface="Verdana"/>
-              </a:rPr>
-              <a:t>n</a:t>
-            </a:r>
-            <a:r>
-              <a:rPr sz="1400" spc="165" dirty="0">
-                <a:solidFill>
-                  <a:srgbClr val="252525"/>
-                </a:solidFill>
-                <a:latin typeface="Verdana"/>
-                <a:cs typeface="Verdana"/>
-              </a:rPr>
-              <a:t>c</a:t>
-            </a:r>
-            <a:r>
-              <a:rPr sz="1400" spc="-100" dirty="0">
-                <a:solidFill>
-                  <a:srgbClr val="252525"/>
-                </a:solidFill>
-                <a:latin typeface="Verdana"/>
-                <a:cs typeface="Verdana"/>
-              </a:rPr>
-              <a:t>l</a:t>
-            </a:r>
-            <a:r>
-              <a:rPr sz="1400" spc="-125" dirty="0">
-                <a:solidFill>
-                  <a:srgbClr val="252525"/>
-                </a:solidFill>
-                <a:latin typeface="Verdana"/>
-                <a:cs typeface="Verdana"/>
-              </a:rPr>
-              <a:t>u</a:t>
-            </a:r>
-            <a:r>
-              <a:rPr sz="1400" spc="-90" dirty="0">
-                <a:solidFill>
-                  <a:srgbClr val="252525"/>
-                </a:solidFill>
-                <a:latin typeface="Verdana"/>
-                <a:cs typeface="Verdana"/>
-              </a:rPr>
-              <a:t>r</a:t>
-            </a:r>
-            <a:r>
-              <a:rPr sz="1400" spc="75" dirty="0">
-                <a:solidFill>
-                  <a:srgbClr val="252525"/>
-                </a:solidFill>
-                <a:latin typeface="Verdana"/>
-                <a:cs typeface="Verdana"/>
-              </a:rPr>
-              <a:t>e</a:t>
-            </a:r>
-            <a:r>
-              <a:rPr sz="1400" spc="-100" dirty="0">
-                <a:solidFill>
-                  <a:srgbClr val="252525"/>
-                </a:solidFill>
-                <a:latin typeface="Verdana"/>
-                <a:cs typeface="Verdana"/>
-              </a:rPr>
-              <a:t> </a:t>
-            </a:r>
-            <a:r>
-              <a:rPr sz="1400" spc="35" dirty="0">
-                <a:solidFill>
-                  <a:srgbClr val="252525"/>
-                </a:solidFill>
-                <a:latin typeface="Verdana"/>
-                <a:cs typeface="Verdana"/>
-              </a:rPr>
-              <a:t>qu</a:t>
-            </a:r>
-            <a:r>
-              <a:rPr sz="1400" spc="40" dirty="0">
-                <a:solidFill>
-                  <a:srgbClr val="252525"/>
-                </a:solidFill>
-                <a:latin typeface="Verdana"/>
-                <a:cs typeface="Verdana"/>
-              </a:rPr>
-              <a:t>e</a:t>
-            </a:r>
-            <a:r>
-              <a:rPr sz="1400" spc="-110" dirty="0">
-                <a:solidFill>
-                  <a:srgbClr val="252525"/>
-                </a:solidFill>
-                <a:latin typeface="Verdana"/>
-                <a:cs typeface="Verdana"/>
-              </a:rPr>
-              <a:t> </a:t>
-            </a:r>
-            <a:r>
-              <a:rPr sz="1400" spc="-90" dirty="0">
-                <a:solidFill>
-                  <a:srgbClr val="252525"/>
-                </a:solidFill>
-                <a:latin typeface="Verdana"/>
-                <a:cs typeface="Verdana"/>
-              </a:rPr>
-              <a:t>l</a:t>
-            </a:r>
-            <a:r>
-              <a:rPr sz="1400" spc="75" dirty="0">
-                <a:solidFill>
-                  <a:srgbClr val="252525"/>
-                </a:solidFill>
-                <a:latin typeface="Verdana"/>
-                <a:cs typeface="Verdana"/>
-              </a:rPr>
-              <a:t>e</a:t>
-            </a:r>
-            <a:r>
-              <a:rPr sz="1400" spc="-100" dirty="0">
-                <a:solidFill>
-                  <a:srgbClr val="252525"/>
-                </a:solidFill>
-                <a:latin typeface="Verdana"/>
-                <a:cs typeface="Verdana"/>
-              </a:rPr>
-              <a:t> </a:t>
-            </a:r>
-            <a:r>
-              <a:rPr sz="1400" spc="-190" dirty="0">
-                <a:solidFill>
-                  <a:srgbClr val="252525"/>
-                </a:solidFill>
-                <a:latin typeface="Verdana"/>
-                <a:cs typeface="Verdana"/>
-              </a:rPr>
-              <a:t>s</a:t>
-            </a:r>
-            <a:r>
-              <a:rPr sz="1400" spc="-90" dirty="0">
-                <a:solidFill>
-                  <a:srgbClr val="252525"/>
-                </a:solidFill>
-                <a:latin typeface="Verdana"/>
-                <a:cs typeface="Verdana"/>
-              </a:rPr>
-              <a:t>t</a:t>
-            </a:r>
-            <a:r>
-              <a:rPr sz="1400" spc="85" dirty="0">
-                <a:solidFill>
-                  <a:srgbClr val="252525"/>
-                </a:solidFill>
-                <a:latin typeface="Verdana"/>
-                <a:cs typeface="Verdana"/>
-              </a:rPr>
-              <a:t>age</a:t>
-            </a:r>
-            <a:r>
-              <a:rPr sz="1400" spc="-95" dirty="0">
-                <a:solidFill>
-                  <a:srgbClr val="252525"/>
-                </a:solidFill>
-                <a:latin typeface="Verdana"/>
-                <a:cs typeface="Verdana"/>
-              </a:rPr>
-              <a:t> </a:t>
-            </a:r>
-            <a:r>
-              <a:rPr sz="1400" spc="-60" dirty="0">
-                <a:solidFill>
-                  <a:srgbClr val="252525"/>
-                </a:solidFill>
-                <a:latin typeface="Verdana"/>
-                <a:cs typeface="Verdana"/>
-              </a:rPr>
-              <a:t>es</a:t>
-            </a:r>
-            <a:r>
-              <a:rPr sz="1400" spc="-80" dirty="0">
-                <a:solidFill>
-                  <a:srgbClr val="252525"/>
-                </a:solidFill>
-                <a:latin typeface="Verdana"/>
-                <a:cs typeface="Verdana"/>
-              </a:rPr>
-              <a:t>t</a:t>
-            </a:r>
-            <a:r>
-              <a:rPr sz="1400" spc="-95" dirty="0">
-                <a:solidFill>
-                  <a:srgbClr val="252525"/>
-                </a:solidFill>
-                <a:latin typeface="Verdana"/>
-                <a:cs typeface="Verdana"/>
-              </a:rPr>
-              <a:t> </a:t>
-            </a:r>
-            <a:r>
-              <a:rPr sz="1400" spc="-35" dirty="0">
-                <a:solidFill>
-                  <a:srgbClr val="252525"/>
-                </a:solidFill>
-                <a:latin typeface="Verdana"/>
-                <a:cs typeface="Verdana"/>
-              </a:rPr>
-              <a:t>u</a:t>
-            </a:r>
-            <a:r>
-              <a:rPr sz="1400" spc="-45" dirty="0">
-                <a:solidFill>
-                  <a:srgbClr val="252525"/>
-                </a:solidFill>
-                <a:latin typeface="Verdana"/>
-                <a:cs typeface="Verdana"/>
-              </a:rPr>
-              <a:t>n</a:t>
-            </a:r>
-            <a:r>
-              <a:rPr sz="1400" spc="75" dirty="0">
-                <a:solidFill>
-                  <a:srgbClr val="252525"/>
-                </a:solidFill>
-                <a:latin typeface="Verdana"/>
-                <a:cs typeface="Verdana"/>
-              </a:rPr>
-              <a:t>e</a:t>
-            </a:r>
-            <a:r>
-              <a:rPr sz="1400" spc="-90" dirty="0">
-                <a:solidFill>
-                  <a:srgbClr val="252525"/>
-                </a:solidFill>
-                <a:latin typeface="Verdana"/>
-                <a:cs typeface="Verdana"/>
-              </a:rPr>
-              <a:t> </a:t>
-            </a:r>
-            <a:r>
-              <a:rPr sz="1400" spc="55" dirty="0">
-                <a:solidFill>
-                  <a:srgbClr val="252525"/>
-                </a:solidFill>
-                <a:latin typeface="Verdana"/>
-                <a:cs typeface="Verdana"/>
-              </a:rPr>
-              <a:t>o</a:t>
-            </a:r>
-            <a:r>
-              <a:rPr sz="1400" spc="175" dirty="0">
-                <a:solidFill>
-                  <a:srgbClr val="252525"/>
-                </a:solidFill>
-                <a:latin typeface="Verdana"/>
-                <a:cs typeface="Verdana"/>
-              </a:rPr>
-              <a:t>c</a:t>
-            </a:r>
-            <a:r>
-              <a:rPr sz="1400" spc="180" dirty="0">
-                <a:solidFill>
-                  <a:srgbClr val="252525"/>
-                </a:solidFill>
-                <a:latin typeface="Verdana"/>
-                <a:cs typeface="Verdana"/>
-              </a:rPr>
-              <a:t>c</a:t>
-            </a:r>
-            <a:r>
-              <a:rPr sz="1400" spc="-45" dirty="0">
-                <a:solidFill>
-                  <a:srgbClr val="252525"/>
-                </a:solidFill>
-                <a:latin typeface="Verdana"/>
-                <a:cs typeface="Verdana"/>
-              </a:rPr>
-              <a:t>a</a:t>
-            </a:r>
-            <a:r>
-              <a:rPr sz="1400" spc="-55" dirty="0">
-                <a:solidFill>
-                  <a:srgbClr val="252525"/>
-                </a:solidFill>
-                <a:latin typeface="Verdana"/>
-                <a:cs typeface="Verdana"/>
-              </a:rPr>
-              <a:t>s</a:t>
-            </a:r>
-            <a:r>
-              <a:rPr sz="1400" spc="-100" dirty="0">
-                <a:solidFill>
-                  <a:srgbClr val="252525"/>
-                </a:solidFill>
-                <a:latin typeface="Verdana"/>
-                <a:cs typeface="Verdana"/>
-              </a:rPr>
-              <a:t>i</a:t>
-            </a:r>
-            <a:r>
-              <a:rPr sz="1400" spc="65" dirty="0">
-                <a:solidFill>
-                  <a:srgbClr val="252525"/>
-                </a:solidFill>
-                <a:latin typeface="Verdana"/>
-                <a:cs typeface="Verdana"/>
-              </a:rPr>
-              <a:t>o</a:t>
-            </a:r>
-            <a:r>
-              <a:rPr sz="1400" spc="-30" dirty="0">
-                <a:solidFill>
-                  <a:srgbClr val="252525"/>
-                </a:solidFill>
-                <a:latin typeface="Verdana"/>
-                <a:cs typeface="Verdana"/>
-              </a:rPr>
-              <a:t>n</a:t>
-            </a:r>
-            <a:r>
-              <a:rPr sz="1400" spc="-105" dirty="0">
-                <a:solidFill>
-                  <a:srgbClr val="252525"/>
-                </a:solidFill>
-                <a:latin typeface="Verdana"/>
-                <a:cs typeface="Verdana"/>
-              </a:rPr>
-              <a:t> </a:t>
-            </a:r>
-            <a:r>
-              <a:rPr sz="1400" spc="-90" dirty="0">
-                <a:solidFill>
-                  <a:srgbClr val="252525"/>
-                </a:solidFill>
-                <a:latin typeface="Verdana"/>
-                <a:cs typeface="Verdana"/>
-              </a:rPr>
-              <a:t>t</a:t>
-            </a:r>
-            <a:r>
-              <a:rPr sz="1400" spc="-95" dirty="0">
-                <a:solidFill>
-                  <a:srgbClr val="252525"/>
-                </a:solidFill>
-                <a:latin typeface="Verdana"/>
-                <a:cs typeface="Verdana"/>
-              </a:rPr>
-              <a:t>rès </a:t>
-            </a:r>
-            <a:r>
-              <a:rPr sz="1400" spc="100" dirty="0">
-                <a:solidFill>
-                  <a:srgbClr val="252525"/>
-                </a:solidFill>
-                <a:latin typeface="Verdana"/>
-                <a:cs typeface="Verdana"/>
-              </a:rPr>
-              <a:t>a</a:t>
-            </a:r>
-            <a:r>
-              <a:rPr sz="1400" spc="-45" dirty="0">
-                <a:solidFill>
-                  <a:srgbClr val="252525"/>
-                </a:solidFill>
-                <a:latin typeface="Verdana"/>
-                <a:cs typeface="Verdana"/>
-              </a:rPr>
-              <a:t>v</a:t>
-            </a:r>
-            <a:r>
-              <a:rPr sz="1400" spc="-5" dirty="0">
-                <a:solidFill>
-                  <a:srgbClr val="252525"/>
-                </a:solidFill>
-                <a:latin typeface="Verdana"/>
-                <a:cs typeface="Verdana"/>
-              </a:rPr>
-              <a:t>an</a:t>
-            </a:r>
-            <a:r>
-              <a:rPr sz="1400" spc="-15" dirty="0">
-                <a:solidFill>
-                  <a:srgbClr val="252525"/>
-                </a:solidFill>
-                <a:latin typeface="Verdana"/>
-                <a:cs typeface="Verdana"/>
-              </a:rPr>
-              <a:t>t</a:t>
-            </a:r>
-            <a:r>
-              <a:rPr sz="1400" spc="100" dirty="0">
-                <a:solidFill>
-                  <a:srgbClr val="252525"/>
-                </a:solidFill>
-                <a:latin typeface="Verdana"/>
-                <a:cs typeface="Verdana"/>
-              </a:rPr>
-              <a:t>a</a:t>
-            </a:r>
-            <a:r>
-              <a:rPr sz="1400" dirty="0">
-                <a:solidFill>
-                  <a:srgbClr val="252525"/>
-                </a:solidFill>
-                <a:latin typeface="Verdana"/>
-                <a:cs typeface="Verdana"/>
-              </a:rPr>
-              <a:t>geuse  </a:t>
-            </a:r>
-            <a:r>
-              <a:rPr sz="1400" spc="70" dirty="0">
-                <a:solidFill>
-                  <a:srgbClr val="252525"/>
-                </a:solidFill>
-                <a:latin typeface="Verdana"/>
-                <a:cs typeface="Verdana"/>
-              </a:rPr>
-              <a:t>p</a:t>
-            </a:r>
-            <a:r>
-              <a:rPr sz="1400" spc="80" dirty="0">
-                <a:solidFill>
-                  <a:srgbClr val="252525"/>
-                </a:solidFill>
-                <a:latin typeface="Verdana"/>
-                <a:cs typeface="Verdana"/>
-              </a:rPr>
-              <a:t>o</a:t>
-            </a:r>
-            <a:r>
-              <a:rPr sz="1400" spc="-105" dirty="0">
-                <a:solidFill>
-                  <a:srgbClr val="252525"/>
-                </a:solidFill>
-                <a:latin typeface="Verdana"/>
-                <a:cs typeface="Verdana"/>
-              </a:rPr>
-              <a:t>ur</a:t>
-            </a:r>
-            <a:r>
-              <a:rPr sz="1400" spc="-125" dirty="0">
-                <a:solidFill>
-                  <a:srgbClr val="252525"/>
-                </a:solidFill>
-                <a:latin typeface="Verdana"/>
-                <a:cs typeface="Verdana"/>
-              </a:rPr>
-              <a:t> </a:t>
-            </a:r>
-            <a:r>
-              <a:rPr sz="1400" spc="-100" dirty="0">
-                <a:solidFill>
-                  <a:srgbClr val="252525"/>
-                </a:solidFill>
-                <a:latin typeface="Verdana"/>
-                <a:cs typeface="Verdana"/>
-              </a:rPr>
-              <a:t>l</a:t>
-            </a:r>
-            <a:r>
-              <a:rPr sz="1400" spc="75" dirty="0">
-                <a:solidFill>
-                  <a:srgbClr val="252525"/>
-                </a:solidFill>
-                <a:latin typeface="Verdana"/>
-                <a:cs typeface="Verdana"/>
-              </a:rPr>
-              <a:t>e</a:t>
-            </a:r>
-            <a:r>
-              <a:rPr sz="1400" spc="-110" dirty="0">
-                <a:solidFill>
-                  <a:srgbClr val="252525"/>
-                </a:solidFill>
-                <a:latin typeface="Verdana"/>
-                <a:cs typeface="Verdana"/>
-              </a:rPr>
-              <a:t> </a:t>
-            </a:r>
-            <a:r>
-              <a:rPr sz="1400" spc="-190" dirty="0">
-                <a:solidFill>
-                  <a:srgbClr val="252525"/>
-                </a:solidFill>
-                <a:latin typeface="Verdana"/>
-                <a:cs typeface="Verdana"/>
-              </a:rPr>
-              <a:t>s</a:t>
-            </a:r>
-            <a:r>
-              <a:rPr sz="1400" spc="-90" dirty="0">
-                <a:solidFill>
-                  <a:srgbClr val="252525"/>
-                </a:solidFill>
-                <a:latin typeface="Verdana"/>
-                <a:cs typeface="Verdana"/>
-              </a:rPr>
-              <a:t>t</a:t>
-            </a:r>
-            <a:r>
-              <a:rPr sz="1400" spc="85" dirty="0">
-                <a:solidFill>
-                  <a:srgbClr val="252525"/>
-                </a:solidFill>
-                <a:latin typeface="Verdana"/>
-                <a:cs typeface="Verdana"/>
-              </a:rPr>
-              <a:t>ag</a:t>
-            </a:r>
-            <a:r>
-              <a:rPr sz="1400" spc="-90" dirty="0">
-                <a:solidFill>
-                  <a:srgbClr val="252525"/>
-                </a:solidFill>
-                <a:latin typeface="Verdana"/>
-                <a:cs typeface="Verdana"/>
-              </a:rPr>
-              <a:t>i</a:t>
-            </a:r>
-            <a:r>
-              <a:rPr sz="1400" spc="100" dirty="0">
-                <a:solidFill>
-                  <a:srgbClr val="252525"/>
-                </a:solidFill>
-                <a:latin typeface="Verdana"/>
-                <a:cs typeface="Verdana"/>
-              </a:rPr>
-              <a:t>a</a:t>
-            </a:r>
-            <a:r>
-              <a:rPr sz="1400" spc="-100" dirty="0">
-                <a:solidFill>
-                  <a:srgbClr val="252525"/>
-                </a:solidFill>
-                <a:latin typeface="Verdana"/>
-                <a:cs typeface="Verdana"/>
-              </a:rPr>
-              <a:t>i</a:t>
-            </a:r>
-            <a:r>
-              <a:rPr sz="1400" spc="-75" dirty="0">
-                <a:solidFill>
-                  <a:srgbClr val="252525"/>
-                </a:solidFill>
-                <a:latin typeface="Verdana"/>
-                <a:cs typeface="Verdana"/>
-              </a:rPr>
-              <a:t>re,</a:t>
-            </a:r>
-            <a:r>
-              <a:rPr sz="1400" spc="-120" dirty="0">
-                <a:solidFill>
-                  <a:srgbClr val="252525"/>
-                </a:solidFill>
-                <a:latin typeface="Verdana"/>
-                <a:cs typeface="Verdana"/>
-              </a:rPr>
-              <a:t> </a:t>
-            </a:r>
-            <a:r>
-              <a:rPr sz="1400" spc="45" dirty="0">
-                <a:solidFill>
-                  <a:srgbClr val="252525"/>
-                </a:solidFill>
-                <a:latin typeface="Verdana"/>
-                <a:cs typeface="Verdana"/>
-              </a:rPr>
-              <a:t>m</a:t>
-            </a:r>
-            <a:r>
-              <a:rPr sz="1400" spc="15" dirty="0">
-                <a:solidFill>
-                  <a:srgbClr val="252525"/>
-                </a:solidFill>
-                <a:latin typeface="Verdana"/>
-                <a:cs typeface="Verdana"/>
-              </a:rPr>
-              <a:t>a</a:t>
-            </a:r>
-            <a:r>
-              <a:rPr sz="1400" spc="-100" dirty="0">
-                <a:solidFill>
-                  <a:srgbClr val="252525"/>
-                </a:solidFill>
-                <a:latin typeface="Verdana"/>
-                <a:cs typeface="Verdana"/>
-              </a:rPr>
-              <a:t>l</a:t>
-            </a:r>
-            <a:r>
-              <a:rPr sz="1400" spc="-10" dirty="0">
-                <a:solidFill>
-                  <a:srgbClr val="252525"/>
-                </a:solidFill>
-                <a:latin typeface="Verdana"/>
-                <a:cs typeface="Verdana"/>
-              </a:rPr>
-              <a:t>gré</a:t>
-            </a:r>
-            <a:r>
-              <a:rPr sz="1400" spc="-120" dirty="0">
-                <a:solidFill>
-                  <a:srgbClr val="252525"/>
-                </a:solidFill>
-                <a:latin typeface="Verdana"/>
-                <a:cs typeface="Verdana"/>
-              </a:rPr>
-              <a:t> </a:t>
-            </a:r>
-            <a:r>
-              <a:rPr sz="1400" spc="-90" dirty="0">
-                <a:solidFill>
-                  <a:srgbClr val="252525"/>
-                </a:solidFill>
-                <a:latin typeface="Verdana"/>
-                <a:cs typeface="Verdana"/>
-              </a:rPr>
-              <a:t>l</a:t>
-            </a:r>
-            <a:r>
-              <a:rPr sz="1400" spc="100" dirty="0">
-                <a:solidFill>
-                  <a:srgbClr val="252525"/>
-                </a:solidFill>
-                <a:latin typeface="Verdana"/>
-                <a:cs typeface="Verdana"/>
-              </a:rPr>
-              <a:t>’</a:t>
-            </a:r>
-            <a:r>
-              <a:rPr sz="1400" spc="-100" dirty="0">
-                <a:solidFill>
-                  <a:srgbClr val="252525"/>
-                </a:solidFill>
-                <a:latin typeface="Verdana"/>
-                <a:cs typeface="Verdana"/>
-              </a:rPr>
-              <a:t>i</a:t>
-            </a:r>
-            <a:r>
-              <a:rPr sz="1400" spc="-35" dirty="0">
-                <a:solidFill>
-                  <a:srgbClr val="252525"/>
-                </a:solidFill>
-                <a:latin typeface="Verdana"/>
-                <a:cs typeface="Verdana"/>
-              </a:rPr>
-              <a:t>n</a:t>
-            </a:r>
-            <a:r>
-              <a:rPr sz="1400" spc="-190" dirty="0">
-                <a:solidFill>
-                  <a:srgbClr val="252525"/>
-                </a:solidFill>
-                <a:latin typeface="Verdana"/>
-                <a:cs typeface="Verdana"/>
-              </a:rPr>
-              <a:t>s</a:t>
-            </a:r>
-            <a:r>
-              <a:rPr sz="1400" spc="-50" dirty="0">
-                <a:solidFill>
-                  <a:srgbClr val="252525"/>
-                </a:solidFill>
-                <a:latin typeface="Verdana"/>
-                <a:cs typeface="Verdana"/>
-              </a:rPr>
-              <a:t>uff</a:t>
-            </a:r>
-            <a:r>
-              <a:rPr sz="1400" spc="-100" dirty="0">
-                <a:solidFill>
-                  <a:srgbClr val="252525"/>
-                </a:solidFill>
-                <a:latin typeface="Verdana"/>
-                <a:cs typeface="Verdana"/>
-              </a:rPr>
-              <a:t>i</a:t>
-            </a:r>
-            <a:r>
-              <a:rPr sz="1400" spc="-190" dirty="0">
-                <a:solidFill>
-                  <a:srgbClr val="252525"/>
-                </a:solidFill>
-                <a:latin typeface="Verdana"/>
-                <a:cs typeface="Verdana"/>
-              </a:rPr>
-              <a:t>s</a:t>
-            </a:r>
-            <a:r>
-              <a:rPr sz="1400" spc="35" dirty="0">
-                <a:solidFill>
-                  <a:srgbClr val="252525"/>
-                </a:solidFill>
-                <a:latin typeface="Verdana"/>
-                <a:cs typeface="Verdana"/>
-              </a:rPr>
-              <a:t>a</a:t>
-            </a:r>
-            <a:r>
-              <a:rPr sz="1400" spc="25" dirty="0">
-                <a:solidFill>
-                  <a:srgbClr val="252525"/>
-                </a:solidFill>
-                <a:latin typeface="Verdana"/>
-                <a:cs typeface="Verdana"/>
-              </a:rPr>
-              <a:t>n</a:t>
-            </a:r>
-            <a:r>
-              <a:rPr sz="1400" spc="125" dirty="0">
-                <a:solidFill>
-                  <a:srgbClr val="252525"/>
-                </a:solidFill>
-                <a:latin typeface="Verdana"/>
-                <a:cs typeface="Verdana"/>
-              </a:rPr>
-              <a:t>ce</a:t>
-            </a:r>
-            <a:r>
-              <a:rPr sz="1400" spc="-105" dirty="0">
-                <a:solidFill>
-                  <a:srgbClr val="252525"/>
-                </a:solidFill>
-                <a:latin typeface="Verdana"/>
-                <a:cs typeface="Verdana"/>
-              </a:rPr>
-              <a:t> </a:t>
-            </a:r>
-            <a:r>
-              <a:rPr sz="1400" spc="80" dirty="0">
-                <a:solidFill>
-                  <a:srgbClr val="252525"/>
-                </a:solidFill>
-                <a:latin typeface="Verdana"/>
-                <a:cs typeface="Verdana"/>
-              </a:rPr>
-              <a:t>de</a:t>
-            </a:r>
-            <a:r>
-              <a:rPr sz="1400" spc="-114" dirty="0">
-                <a:solidFill>
-                  <a:srgbClr val="252525"/>
-                </a:solidFill>
-                <a:latin typeface="Verdana"/>
-                <a:cs typeface="Verdana"/>
-              </a:rPr>
-              <a:t> </a:t>
-            </a:r>
-            <a:r>
-              <a:rPr sz="1400" spc="-190" dirty="0">
-                <a:solidFill>
-                  <a:srgbClr val="252525"/>
-                </a:solidFill>
-                <a:latin typeface="Verdana"/>
-                <a:cs typeface="Verdana"/>
-              </a:rPr>
-              <a:t>s</a:t>
-            </a:r>
-            <a:r>
-              <a:rPr sz="1400" spc="114" dirty="0">
-                <a:solidFill>
-                  <a:srgbClr val="252525"/>
-                </a:solidFill>
-                <a:latin typeface="Verdana"/>
-                <a:cs typeface="Verdana"/>
-              </a:rPr>
-              <a:t>a</a:t>
-            </a:r>
-            <a:r>
-              <a:rPr sz="1400" spc="-105" dirty="0">
-                <a:solidFill>
-                  <a:srgbClr val="252525"/>
-                </a:solidFill>
-                <a:latin typeface="Verdana"/>
-                <a:cs typeface="Verdana"/>
-              </a:rPr>
-              <a:t> </a:t>
-            </a:r>
-            <a:r>
-              <a:rPr sz="1400" spc="75" dirty="0">
-                <a:solidFill>
-                  <a:srgbClr val="252525"/>
-                </a:solidFill>
-                <a:latin typeface="Verdana"/>
-                <a:cs typeface="Verdana"/>
-              </a:rPr>
-              <a:t>d</a:t>
-            </a:r>
-            <a:r>
-              <a:rPr sz="1400" spc="-125" dirty="0">
-                <a:solidFill>
-                  <a:srgbClr val="252525"/>
-                </a:solidFill>
-                <a:latin typeface="Verdana"/>
-                <a:cs typeface="Verdana"/>
-              </a:rPr>
-              <a:t>u</a:t>
-            </a:r>
-            <a:r>
-              <a:rPr sz="1400" spc="-90" dirty="0">
-                <a:solidFill>
-                  <a:srgbClr val="252525"/>
-                </a:solidFill>
-                <a:latin typeface="Verdana"/>
-                <a:cs typeface="Verdana"/>
-              </a:rPr>
-              <a:t>r</a:t>
-            </a:r>
-            <a:r>
-              <a:rPr sz="1400" spc="10" dirty="0">
-                <a:solidFill>
-                  <a:srgbClr val="252525"/>
-                </a:solidFill>
-                <a:latin typeface="Verdana"/>
-                <a:cs typeface="Verdana"/>
-              </a:rPr>
-              <a:t>ée.</a:t>
-            </a:r>
-            <a:endParaRPr sz="1400" dirty="0">
-              <a:latin typeface="Verdana"/>
-              <a:cs typeface="Verdana"/>
-            </a:endParaRPr>
-          </a:p>
-        </p:txBody>
-      </p:sp>
-      <p:grpSp>
-        <p:nvGrpSpPr>
-          <p:cNvPr id="3" name="object 3"/>
-          <p:cNvGrpSpPr/>
-          <p:nvPr/>
-        </p:nvGrpSpPr>
-        <p:grpSpPr>
-          <a:xfrm>
-            <a:off x="-12700" y="0"/>
-            <a:ext cx="7586345" cy="2298700"/>
-            <a:chOff x="-12700" y="0"/>
-            <a:chExt cx="7586345" cy="2298700"/>
-          </a:xfrm>
-          <a:solidFill>
-            <a:schemeClr val="accent6"/>
-          </a:solidFill>
-        </p:grpSpPr>
-        <p:sp>
-          <p:nvSpPr>
-            <p:cNvPr id="4" name="object 4"/>
-            <p:cNvSpPr/>
-            <p:nvPr/>
-          </p:nvSpPr>
-          <p:spPr>
-            <a:xfrm>
-              <a:off x="0" y="0"/>
-              <a:ext cx="7560945" cy="2286000"/>
-            </a:xfrm>
-            <a:custGeom>
-              <a:avLst/>
-              <a:gdLst/>
-              <a:ahLst/>
-              <a:cxnLst/>
-              <a:rect l="l" t="t" r="r" b="b"/>
-              <a:pathLst>
-                <a:path w="7560945" h="2286000">
-                  <a:moveTo>
-                    <a:pt x="7560564" y="0"/>
-                  </a:moveTo>
-                  <a:lnTo>
-                    <a:pt x="0" y="0"/>
-                  </a:lnTo>
-                  <a:lnTo>
-                    <a:pt x="0" y="2285643"/>
-                  </a:lnTo>
-                  <a:lnTo>
-                    <a:pt x="7560564" y="1291474"/>
-                  </a:lnTo>
-                  <a:lnTo>
-                    <a:pt x="7560564" y="0"/>
-                  </a:lnTo>
-                  <a:close/>
-                </a:path>
-              </a:pathLst>
-            </a:custGeom>
-            <a:grpFill/>
-          </p:spPr>
-          <p:txBody>
-            <a:bodyPr wrap="square" lIns="0" tIns="0" rIns="0" bIns="0" rtlCol="0"/>
-            <a:lstStyle/>
-            <a:p>
-              <a:endParaRPr/>
-            </a:p>
-          </p:txBody>
-        </p:sp>
-        <p:sp>
-          <p:nvSpPr>
-            <p:cNvPr id="5" name="object 5"/>
-            <p:cNvSpPr/>
-            <p:nvPr/>
-          </p:nvSpPr>
-          <p:spPr>
-            <a:xfrm>
-              <a:off x="0" y="1291474"/>
-              <a:ext cx="7560945" cy="994410"/>
-            </a:xfrm>
-            <a:custGeom>
-              <a:avLst/>
-              <a:gdLst/>
-              <a:ahLst/>
-              <a:cxnLst/>
-              <a:rect l="l" t="t" r="r" b="b"/>
-              <a:pathLst>
-                <a:path w="7560945" h="994410">
-                  <a:moveTo>
-                    <a:pt x="7560564" y="0"/>
-                  </a:moveTo>
-                  <a:lnTo>
-                    <a:pt x="0" y="994168"/>
-                  </a:lnTo>
-                </a:path>
-              </a:pathLst>
-            </a:custGeom>
-            <a:ln/>
-          </p:spPr>
-          <p:style>
-            <a:lnRef idx="1">
-              <a:schemeClr val="accent6"/>
-            </a:lnRef>
-            <a:fillRef idx="0">
-              <a:schemeClr val="accent6"/>
-            </a:fillRef>
-            <a:effectRef idx="0">
-              <a:schemeClr val="accent6"/>
-            </a:effectRef>
-            <a:fontRef idx="minor">
-              <a:schemeClr val="tx1"/>
-            </a:fontRef>
-          </p:style>
-          <p:txBody>
-            <a:bodyPr wrap="square" lIns="0" tIns="0" rIns="0" bIns="0" rtlCol="0"/>
-            <a:lstStyle/>
-            <a:p>
-              <a:endParaRPr/>
-            </a:p>
-          </p:txBody>
-        </p:sp>
-      </p:grpSp>
-      <p:sp>
-        <p:nvSpPr>
-          <p:cNvPr id="6" name="object 6"/>
-          <p:cNvSpPr txBox="1">
-            <a:spLocks noGrp="1"/>
-          </p:cNvSpPr>
-          <p:nvPr>
-            <p:ph type="title"/>
-          </p:nvPr>
-        </p:nvSpPr>
-        <p:spPr>
-          <a:xfrm>
-            <a:off x="944676" y="590498"/>
-            <a:ext cx="1666875" cy="391795"/>
-          </a:xfrm>
-          <a:prstGeom prst="rect">
-            <a:avLst/>
-          </a:prstGeom>
-        </p:spPr>
-        <p:txBody>
-          <a:bodyPr vert="horz" wrap="square" lIns="0" tIns="12700" rIns="0" bIns="0" rtlCol="0">
-            <a:spAutoFit/>
-          </a:bodyPr>
-          <a:lstStyle/>
-          <a:p>
-            <a:pPr marL="12700">
-              <a:lnSpc>
-                <a:spcPct val="100000"/>
-              </a:lnSpc>
-              <a:spcBef>
-                <a:spcPts val="100"/>
-              </a:spcBef>
-            </a:pPr>
-            <a:r>
-              <a:rPr sz="2400" b="0" spc="10" dirty="0">
-                <a:solidFill>
-                  <a:srgbClr val="252525"/>
-                </a:solidFill>
-                <a:latin typeface="Verdana"/>
-                <a:cs typeface="Verdana"/>
-              </a:rPr>
-              <a:t>Conclu</a:t>
-            </a:r>
-            <a:r>
-              <a:rPr sz="2400" b="0" spc="-5" dirty="0">
-                <a:solidFill>
-                  <a:srgbClr val="252525"/>
-                </a:solidFill>
-                <a:latin typeface="Verdana"/>
-                <a:cs typeface="Verdana"/>
-              </a:rPr>
-              <a:t>s</a:t>
-            </a:r>
-            <a:r>
-              <a:rPr sz="2400" b="0" spc="-175" dirty="0">
-                <a:solidFill>
-                  <a:srgbClr val="252525"/>
-                </a:solidFill>
-                <a:latin typeface="Verdana"/>
-                <a:cs typeface="Verdana"/>
-              </a:rPr>
-              <a:t>i</a:t>
-            </a:r>
-            <a:r>
-              <a:rPr sz="2400" b="0" spc="100" dirty="0">
-                <a:solidFill>
-                  <a:srgbClr val="252525"/>
-                </a:solidFill>
-                <a:latin typeface="Verdana"/>
-                <a:cs typeface="Verdana"/>
-              </a:rPr>
-              <a:t>o</a:t>
-            </a:r>
-            <a:r>
-              <a:rPr sz="2400" b="0" spc="-55" dirty="0">
-                <a:solidFill>
-                  <a:srgbClr val="252525"/>
-                </a:solidFill>
-                <a:latin typeface="Verdana"/>
-                <a:cs typeface="Verdana"/>
-              </a:rPr>
-              <a:t>n</a:t>
-            </a:r>
-            <a:endParaRPr sz="2400">
-              <a:latin typeface="Verdana"/>
-              <a:cs typeface="Verdana"/>
-            </a:endParaRPr>
-          </a:p>
-        </p:txBody>
-      </p:sp>
-      <p:sp>
-        <p:nvSpPr>
-          <p:cNvPr id="7" name="object 7"/>
-          <p:cNvSpPr/>
-          <p:nvPr/>
-        </p:nvSpPr>
-        <p:spPr>
-          <a:xfrm>
-            <a:off x="1256030" y="2998088"/>
-            <a:ext cx="1790700" cy="0"/>
-          </a:xfrm>
-          <a:custGeom>
-            <a:avLst/>
-            <a:gdLst/>
-            <a:ahLst/>
-            <a:cxnLst/>
-            <a:rect l="l" t="t" r="r" b="b"/>
-            <a:pathLst>
-              <a:path w="1790700">
-                <a:moveTo>
-                  <a:pt x="0" y="0"/>
-                </a:moveTo>
-                <a:lnTo>
-                  <a:pt x="1790700" y="0"/>
-                </a:lnTo>
-              </a:path>
-            </a:pathLst>
-          </a:custGeom>
-          <a:ln w="19050">
-            <a:solidFill>
-              <a:srgbClr val="252525"/>
-            </a:solidFill>
-          </a:ln>
-        </p:spPr>
-        <p:txBody>
-          <a:bodyPr wrap="square" lIns="0" tIns="0" rIns="0" bIns="0" rtlCol="0"/>
-          <a:lstStyle/>
-          <a:p>
-            <a:endParaRPr/>
-          </a:p>
-        </p:txBody>
-      </p:sp>
-      <p:sp>
-        <p:nvSpPr>
-          <p:cNvPr id="8" name="object 8"/>
-          <p:cNvSpPr/>
-          <p:nvPr/>
-        </p:nvSpPr>
-        <p:spPr>
-          <a:xfrm>
-            <a:off x="4455795" y="2998088"/>
-            <a:ext cx="1790700" cy="0"/>
-          </a:xfrm>
-          <a:custGeom>
-            <a:avLst/>
-            <a:gdLst/>
-            <a:ahLst/>
-            <a:cxnLst/>
-            <a:rect l="l" t="t" r="r" b="b"/>
-            <a:pathLst>
-              <a:path w="1790700">
-                <a:moveTo>
-                  <a:pt x="0" y="0"/>
-                </a:moveTo>
-                <a:lnTo>
-                  <a:pt x="1790700" y="0"/>
-                </a:lnTo>
-              </a:path>
-            </a:pathLst>
-          </a:custGeom>
-          <a:ln w="19050">
-            <a:solidFill>
-              <a:srgbClr val="252525"/>
-            </a:solidFill>
-          </a:ln>
-        </p:spPr>
-        <p:txBody>
-          <a:bodyPr wrap="square" lIns="0" tIns="0" rIns="0" bIns="0" rtlCol="0"/>
-          <a:lstStyle/>
-          <a:p>
-            <a:endParaRPr/>
-          </a:p>
-        </p:txBody>
-      </p:sp>
-      <p:pic>
-        <p:nvPicPr>
-          <p:cNvPr id="9" name="object 9"/>
-          <p:cNvPicPr/>
-          <p:nvPr/>
-        </p:nvPicPr>
-        <p:blipFill>
-          <a:blip r:embed="rId2" cstate="print"/>
-          <a:stretch>
-            <a:fillRect/>
-          </a:stretch>
-        </p:blipFill>
-        <p:spPr>
-          <a:xfrm>
-            <a:off x="3328670" y="2947288"/>
-            <a:ext cx="130175" cy="120650"/>
-          </a:xfrm>
-          <a:prstGeom prst="rect">
-            <a:avLst/>
-          </a:prstGeom>
-        </p:spPr>
-      </p:pic>
-      <p:pic>
-        <p:nvPicPr>
-          <p:cNvPr id="10" name="object 10"/>
-          <p:cNvPicPr/>
-          <p:nvPr/>
-        </p:nvPicPr>
-        <p:blipFill>
-          <a:blip r:embed="rId3" cstate="print"/>
-          <a:stretch>
-            <a:fillRect/>
-          </a:stretch>
-        </p:blipFill>
-        <p:spPr>
-          <a:xfrm>
-            <a:off x="4036059" y="2947288"/>
-            <a:ext cx="130175" cy="120650"/>
-          </a:xfrm>
-          <a:prstGeom prst="rect">
-            <a:avLst/>
-          </a:prstGeom>
-        </p:spPr>
-      </p:pic>
-      <p:pic>
-        <p:nvPicPr>
-          <p:cNvPr id="11" name="object 11"/>
-          <p:cNvPicPr/>
-          <p:nvPr/>
-        </p:nvPicPr>
-        <p:blipFill>
-          <a:blip r:embed="rId3" cstate="print"/>
-          <a:stretch>
-            <a:fillRect/>
-          </a:stretch>
-        </p:blipFill>
-        <p:spPr>
-          <a:xfrm>
-            <a:off x="3682365" y="2947288"/>
-            <a:ext cx="130175" cy="120650"/>
-          </a:xfrm>
-          <a:prstGeom prst="rect">
-            <a:avLst/>
-          </a:prstGeom>
-        </p:spPr>
-      </p:pic>
-      <p:sp>
-        <p:nvSpPr>
-          <p:cNvPr id="12" name="object 12"/>
-          <p:cNvSpPr/>
-          <p:nvPr/>
-        </p:nvSpPr>
-        <p:spPr>
-          <a:xfrm>
-            <a:off x="1262380" y="7086345"/>
-            <a:ext cx="1790700" cy="0"/>
-          </a:xfrm>
-          <a:custGeom>
-            <a:avLst/>
-            <a:gdLst/>
-            <a:ahLst/>
-            <a:cxnLst/>
-            <a:rect l="l" t="t" r="r" b="b"/>
-            <a:pathLst>
-              <a:path w="1790700">
-                <a:moveTo>
-                  <a:pt x="0" y="0"/>
-                </a:moveTo>
-                <a:lnTo>
-                  <a:pt x="1790700" y="0"/>
-                </a:lnTo>
-              </a:path>
-            </a:pathLst>
-          </a:custGeom>
-          <a:ln w="19050">
-            <a:solidFill>
-              <a:srgbClr val="252525"/>
-            </a:solidFill>
-          </a:ln>
-        </p:spPr>
-        <p:txBody>
-          <a:bodyPr wrap="square" lIns="0" tIns="0" rIns="0" bIns="0" rtlCol="0"/>
-          <a:lstStyle/>
-          <a:p>
-            <a:endParaRPr/>
-          </a:p>
-        </p:txBody>
-      </p:sp>
-      <p:sp>
-        <p:nvSpPr>
-          <p:cNvPr id="13" name="object 13"/>
-          <p:cNvSpPr/>
-          <p:nvPr/>
-        </p:nvSpPr>
-        <p:spPr>
-          <a:xfrm>
-            <a:off x="4462145" y="7086345"/>
-            <a:ext cx="1790700" cy="0"/>
-          </a:xfrm>
-          <a:custGeom>
-            <a:avLst/>
-            <a:gdLst/>
-            <a:ahLst/>
-            <a:cxnLst/>
-            <a:rect l="l" t="t" r="r" b="b"/>
-            <a:pathLst>
-              <a:path w="1790700">
-                <a:moveTo>
-                  <a:pt x="0" y="0"/>
-                </a:moveTo>
-                <a:lnTo>
-                  <a:pt x="1790700" y="0"/>
-                </a:lnTo>
-              </a:path>
-            </a:pathLst>
-          </a:custGeom>
-          <a:ln w="19050">
-            <a:solidFill>
-              <a:srgbClr val="252525"/>
-            </a:solidFill>
-          </a:ln>
-        </p:spPr>
-        <p:txBody>
-          <a:bodyPr wrap="square" lIns="0" tIns="0" rIns="0" bIns="0" rtlCol="0"/>
-          <a:lstStyle/>
-          <a:p>
-            <a:endParaRPr/>
-          </a:p>
-        </p:txBody>
-      </p:sp>
-      <p:pic>
-        <p:nvPicPr>
-          <p:cNvPr id="14" name="object 14"/>
-          <p:cNvPicPr/>
-          <p:nvPr/>
-        </p:nvPicPr>
-        <p:blipFill>
-          <a:blip r:embed="rId3" cstate="print"/>
-          <a:stretch>
-            <a:fillRect/>
-          </a:stretch>
-        </p:blipFill>
-        <p:spPr>
-          <a:xfrm>
-            <a:off x="3335020" y="7035545"/>
-            <a:ext cx="130175" cy="120650"/>
-          </a:xfrm>
-          <a:prstGeom prst="rect">
-            <a:avLst/>
-          </a:prstGeom>
-        </p:spPr>
-      </p:pic>
-      <p:pic>
-        <p:nvPicPr>
-          <p:cNvPr id="15" name="object 15"/>
-          <p:cNvPicPr/>
-          <p:nvPr/>
-        </p:nvPicPr>
-        <p:blipFill>
-          <a:blip r:embed="rId2" cstate="print"/>
-          <a:stretch>
-            <a:fillRect/>
-          </a:stretch>
-        </p:blipFill>
-        <p:spPr>
-          <a:xfrm>
-            <a:off x="4042409" y="7035545"/>
-            <a:ext cx="130175" cy="120650"/>
-          </a:xfrm>
-          <a:prstGeom prst="rect">
-            <a:avLst/>
-          </a:prstGeom>
-        </p:spPr>
-      </p:pic>
-      <p:pic>
-        <p:nvPicPr>
-          <p:cNvPr id="16" name="object 16"/>
-          <p:cNvPicPr/>
-          <p:nvPr/>
-        </p:nvPicPr>
-        <p:blipFill>
-          <a:blip r:embed="rId2" cstate="print"/>
-          <a:stretch>
-            <a:fillRect/>
-          </a:stretch>
-        </p:blipFill>
-        <p:spPr>
-          <a:xfrm>
-            <a:off x="3688715" y="7035545"/>
-            <a:ext cx="130175" cy="120650"/>
-          </a:xfrm>
-          <a:prstGeom prst="rect">
-            <a:avLst/>
-          </a:prstGeom>
-        </p:spPr>
-      </p:pic>
-      <p:grpSp>
-        <p:nvGrpSpPr>
-          <p:cNvPr id="17" name="object 17"/>
-          <p:cNvGrpSpPr/>
-          <p:nvPr/>
-        </p:nvGrpSpPr>
-        <p:grpSpPr>
-          <a:xfrm>
-            <a:off x="4600466" y="9985561"/>
-            <a:ext cx="2973070" cy="720090"/>
-            <a:chOff x="4600466" y="9985561"/>
-            <a:chExt cx="2973070" cy="720090"/>
-          </a:xfrm>
-          <a:solidFill>
-            <a:schemeClr val="accent6"/>
-          </a:solidFill>
-        </p:grpSpPr>
-        <p:sp>
-          <p:nvSpPr>
-            <p:cNvPr id="18" name="object 18"/>
-            <p:cNvSpPr/>
-            <p:nvPr/>
-          </p:nvSpPr>
-          <p:spPr>
-            <a:xfrm>
-              <a:off x="4613166" y="9998261"/>
-              <a:ext cx="2947670" cy="694690"/>
-            </a:xfrm>
-            <a:custGeom>
-              <a:avLst/>
-              <a:gdLst/>
-              <a:ahLst/>
-              <a:cxnLst/>
-              <a:rect l="l" t="t" r="r" b="b"/>
-              <a:pathLst>
-                <a:path w="2947670" h="694690">
-                  <a:moveTo>
-                    <a:pt x="2947398" y="0"/>
-                  </a:moveTo>
-                  <a:lnTo>
-                    <a:pt x="0" y="694122"/>
-                  </a:lnTo>
-                  <a:lnTo>
-                    <a:pt x="2947398" y="694122"/>
-                  </a:lnTo>
-                  <a:lnTo>
-                    <a:pt x="2947398" y="0"/>
-                  </a:lnTo>
-                  <a:close/>
-                </a:path>
-              </a:pathLst>
-            </a:custGeom>
-            <a:grpFill/>
-          </p:spPr>
-          <p:txBody>
-            <a:bodyPr wrap="square" lIns="0" tIns="0" rIns="0" bIns="0" rtlCol="0"/>
-            <a:lstStyle/>
-            <a:p>
-              <a:endParaRPr/>
-            </a:p>
-          </p:txBody>
-        </p:sp>
-        <p:sp>
-          <p:nvSpPr>
-            <p:cNvPr id="19" name="object 19"/>
-            <p:cNvSpPr/>
-            <p:nvPr/>
-          </p:nvSpPr>
-          <p:spPr>
-            <a:xfrm>
-              <a:off x="4613166" y="9998261"/>
-              <a:ext cx="2947670" cy="694690"/>
-            </a:xfrm>
-            <a:custGeom>
-              <a:avLst/>
-              <a:gdLst/>
-              <a:ahLst/>
-              <a:cxnLst/>
-              <a:rect l="l" t="t" r="r" b="b"/>
-              <a:pathLst>
-                <a:path w="2947670" h="694690">
-                  <a:moveTo>
-                    <a:pt x="0" y="694122"/>
-                  </a:moveTo>
-                  <a:lnTo>
-                    <a:pt x="2947398" y="0"/>
-                  </a:lnTo>
-                </a:path>
-              </a:pathLst>
-            </a:custGeom>
-            <a:ln/>
-          </p:spPr>
-          <p:style>
-            <a:lnRef idx="1">
-              <a:schemeClr val="accent6"/>
-            </a:lnRef>
-            <a:fillRef idx="0">
-              <a:schemeClr val="accent6"/>
-            </a:fillRef>
-            <a:effectRef idx="0">
-              <a:schemeClr val="accent6"/>
-            </a:effectRef>
-            <a:fontRef idx="minor">
-              <a:schemeClr val="tx1"/>
-            </a:fontRef>
-          </p:style>
-          <p:txBody>
-            <a:bodyPr wrap="square" lIns="0" tIns="0" rIns="0" bIns="0" rtlCol="0"/>
-            <a:lstStyle/>
-            <a:p>
-              <a:endParaRPr/>
-            </a:p>
-          </p:txBody>
-        </p:sp>
-      </p:grpSp>
-      <p:sp>
-        <p:nvSpPr>
-          <p:cNvPr id="20" name="object 20"/>
-          <p:cNvSpPr txBox="1"/>
-          <p:nvPr/>
-        </p:nvSpPr>
-        <p:spPr>
-          <a:xfrm>
-            <a:off x="7022338" y="10240956"/>
-            <a:ext cx="373380" cy="344966"/>
-          </a:xfrm>
-          <a:prstGeom prst="rect">
-            <a:avLst/>
-          </a:prstGeom>
-        </p:spPr>
-        <p:txBody>
-          <a:bodyPr vert="horz" wrap="square" lIns="0" tIns="67310" rIns="0" bIns="0" rtlCol="0">
-            <a:spAutoFit/>
-          </a:bodyPr>
-          <a:lstStyle/>
-          <a:p>
-            <a:pPr marL="57785">
-              <a:lnSpc>
-                <a:spcPct val="100000"/>
-              </a:lnSpc>
-              <a:spcBef>
-                <a:spcPts val="530"/>
-              </a:spcBef>
-            </a:pPr>
-            <a:r>
-              <a:rPr lang="fr-FR" sz="1800" b="1" spc="-140" dirty="0">
-                <a:solidFill>
-                  <a:srgbClr val="FFFFFF"/>
-                </a:solidFill>
-                <a:latin typeface="Tahoma"/>
-                <a:cs typeface="Tahoma"/>
-              </a:rPr>
-              <a:t>11</a:t>
-            </a:r>
-            <a:endParaRPr sz="1800" dirty="0">
-              <a:latin typeface="Tahoma"/>
-              <a:cs typeface="Tahoma"/>
-            </a:endParaRPr>
-          </a:p>
-        </p:txBody>
-      </p:sp>
-    </p:spTree>
-  </p:cSld>
-  <p:clrMapOvr>
-    <a:masterClrMapping/>
-  </p:clrMapOvr>
-</p:sld>
-</file>
-
 <file path=ppt/slides/slide2.xml><?xml version="1.0" encoding="utf-8"?>
 <p:sld xmlns:a="http://schemas.openxmlformats.org/drawingml/2006/main" xmlns:r="http://schemas.openxmlformats.org/officeDocument/2006/relationships" xmlns:p="http://schemas.openxmlformats.org/presentationml/2006/main" showMasterSp="0">
   <p:cSld>
